--- a/convolution_matrix.pptx
+++ b/convolution_matrix.pptx
@@ -104,6 +104,11 @@
       </a:defRPr>
     </a:lvl9pPr>
   </p:defaultTextStyle>
+  <p:extLst>
+    <p:ext uri="{EFAFB233-063F-42B5-8137-9DF3F51BA10A}">
+      <p15:sldGuideLst xmlns:p15="http://schemas.microsoft.com/office/powerpoint/2012/main"/>
+    </p:ext>
+  </p:extLst>
 </p:presentation>
 </file>
 
@@ -3338,7 +3343,7 @@
               <p:nvPr>
                 <p:extLst>
                   <p:ext uri="{D42A27DB-BD31-4B8C-83A1-F6EECF244321}">
-                    <p14:modId xmlns:p14="http://schemas.microsoft.com/office/powerpoint/2010/main" val="2517333362"/>
+                    <p14:modId xmlns:p14="http://schemas.microsoft.com/office/powerpoint/2010/main" val="406928778"/>
                   </p:ext>
                 </p:extLst>
               </p:nvPr>
@@ -3546,18 +3551,24 @@
                                 <m:sSub>
                                   <m:sSubPr>
                                     <m:ctrlPr>
-                                      <a:rPr lang="en-US" altLang="ko-KR" sz="1000" b="0" smtClean="0"/>
+                                      <a:rPr lang="en-US" altLang="ko-KR" sz="1000" b="0" i="1" smtClean="0">
+                                        <a:latin typeface="Cambria Math" panose="02040503050406030204" pitchFamily="18" charset="0"/>
+                                      </a:rPr>
                                     </m:ctrlPr>
                                   </m:sSubPr>
                                   <m:e>
                                     <m:r>
-                                      <a:rPr lang="en-US" altLang="ko-KR" sz="1000" b="0" smtClean="0"/>
-                                      <m:t>𝑤</m:t>
+                                      <a:rPr lang="en-US" altLang="ko-KR" sz="1000" b="0" i="1" smtClean="0">
+                                        <a:latin typeface="Cambria Math" panose="02040503050406030204" pitchFamily="18" charset="0"/>
+                                      </a:rPr>
+                                      <m:t>𝑓</m:t>
                                     </m:r>
                                   </m:e>
                                   <m:sub>
                                     <m:r>
-                                      <a:rPr lang="en-US" altLang="ko-KR" sz="1000" b="0" smtClean="0"/>
+                                      <a:rPr lang="en-US" altLang="ko-KR" sz="1000" b="0" smtClean="0">
+                                        <a:latin typeface="Cambria Math" panose="02040503050406030204" pitchFamily="18" charset="0"/>
+                                      </a:rPr>
                                       <m:t>11</m:t>
                                     </m:r>
                                   </m:sub>
@@ -3638,23 +3649,25 @@
                                 <m:sSub>
                                   <m:sSubPr>
                                     <m:ctrlPr>
-                                      <a:rPr lang="en-US" altLang="ko-KR" sz="1000" b="0" smtClean="0"/>
+                                      <a:rPr lang="en-US" altLang="ko-KR" sz="1000" b="0" i="1" smtClean="0">
+                                        <a:latin typeface="Cambria Math" panose="02040503050406030204" pitchFamily="18" charset="0"/>
+                                      </a:rPr>
                                     </m:ctrlPr>
                                   </m:sSubPr>
                                   <m:e>
                                     <m:r>
-                                      <a:rPr lang="en-US" altLang="ko-KR" sz="1000" b="0" smtClean="0"/>
-                                      <m:t>𝑤</m:t>
+                                      <a:rPr lang="en-US" altLang="ko-KR" sz="1000" b="0" i="1" smtClean="0">
+                                        <a:latin typeface="Cambria Math" panose="02040503050406030204" pitchFamily="18" charset="0"/>
+                                      </a:rPr>
+                                      <m:t>𝑓</m:t>
                                     </m:r>
                                   </m:e>
                                   <m:sub>
                                     <m:r>
-                                      <a:rPr lang="en-US" altLang="ko-KR" sz="1000" b="0" smtClean="0"/>
-                                      <m:t>1</m:t>
-                                    </m:r>
-                                    <m:r>
-                                      <a:rPr lang="en-US" altLang="ko-KR" sz="1000" b="0" smtClean="0"/>
-                                      <m:t>2</m:t>
+                                      <a:rPr lang="en-US" altLang="ko-KR" sz="1000" b="0" smtClean="0">
+                                        <a:latin typeface="Cambria Math" panose="02040503050406030204" pitchFamily="18" charset="0"/>
+                                      </a:rPr>
+                                      <m:t>12</m:t>
                                     </m:r>
                                   </m:sub>
                                 </m:sSub>
@@ -3734,23 +3747,25 @@
                                 <m:sSub>
                                   <m:sSubPr>
                                     <m:ctrlPr>
-                                      <a:rPr lang="en-US" altLang="ko-KR" sz="1000" b="0" smtClean="0"/>
+                                      <a:rPr lang="en-US" altLang="ko-KR" sz="1000" b="0" i="1" smtClean="0">
+                                        <a:latin typeface="Cambria Math" panose="02040503050406030204" pitchFamily="18" charset="0"/>
+                                      </a:rPr>
                                     </m:ctrlPr>
                                   </m:sSubPr>
                                   <m:e>
                                     <m:r>
-                                      <a:rPr lang="en-US" altLang="ko-KR" sz="1000" b="0" smtClean="0"/>
-                                      <m:t>𝑤</m:t>
+                                      <a:rPr lang="en-US" altLang="ko-KR" sz="1000" b="0" i="1" smtClean="0">
+                                        <a:latin typeface="Cambria Math" panose="02040503050406030204" pitchFamily="18" charset="0"/>
+                                      </a:rPr>
+                                      <m:t>𝑓</m:t>
                                     </m:r>
                                   </m:e>
                                   <m:sub>
                                     <m:r>
-                                      <a:rPr lang="en-US" altLang="ko-KR" sz="1000" b="0" smtClean="0"/>
-                                      <m:t>1</m:t>
-                                    </m:r>
-                                    <m:r>
-                                      <a:rPr lang="en-US" altLang="ko-KR" sz="1000" b="0" smtClean="0"/>
-                                      <m:t>3</m:t>
+                                      <a:rPr lang="en-US" altLang="ko-KR" sz="1000" b="0" smtClean="0">
+                                        <a:latin typeface="Cambria Math" panose="02040503050406030204" pitchFamily="18" charset="0"/>
+                                      </a:rPr>
+                                      <m:t>13</m:t>
                                     </m:r>
                                   </m:sub>
                                 </m:sSub>
@@ -3910,23 +3925,25 @@
                                 <m:sSub>
                                   <m:sSubPr>
                                     <m:ctrlPr>
-                                      <a:rPr lang="en-US" altLang="ko-KR" sz="1000" b="0" smtClean="0"/>
+                                      <a:rPr lang="en-US" altLang="ko-KR" sz="1000" b="0" i="1" smtClean="0">
+                                        <a:latin typeface="Cambria Math" panose="02040503050406030204" pitchFamily="18" charset="0"/>
+                                      </a:rPr>
                                     </m:ctrlPr>
                                   </m:sSubPr>
                                   <m:e>
                                     <m:r>
-                                      <a:rPr lang="en-US" altLang="ko-KR" sz="1000" b="0" smtClean="0"/>
-                                      <m:t>𝑤</m:t>
+                                      <a:rPr lang="en-US" altLang="ko-KR" sz="1000" b="0" i="1" smtClean="0">
+                                        <a:latin typeface="Cambria Math" panose="02040503050406030204" pitchFamily="18" charset="0"/>
+                                      </a:rPr>
+                                      <m:t>𝑓</m:t>
                                     </m:r>
                                   </m:e>
                                   <m:sub>
                                     <m:r>
-                                      <a:rPr lang="en-US" altLang="ko-KR" sz="1000" b="0" smtClean="0"/>
-                                      <m:t>2</m:t>
-                                    </m:r>
-                                    <m:r>
-                                      <a:rPr lang="en-US" altLang="ko-KR" sz="1000" b="0" smtClean="0"/>
-                                      <m:t>1</m:t>
+                                      <a:rPr lang="en-US" altLang="ko-KR" sz="1000" b="0" smtClean="0">
+                                        <a:latin typeface="Cambria Math" panose="02040503050406030204" pitchFamily="18" charset="0"/>
+                                      </a:rPr>
+                                      <m:t>21</m:t>
                                     </m:r>
                                   </m:sub>
                                 </m:sSub>
@@ -4006,23 +4023,25 @@
                                 <m:sSub>
                                   <m:sSubPr>
                                     <m:ctrlPr>
-                                      <a:rPr lang="en-US" altLang="ko-KR" sz="1000" b="0" smtClean="0"/>
+                                      <a:rPr lang="en-US" altLang="ko-KR" sz="1000" b="0" i="1" smtClean="0">
+                                        <a:latin typeface="Cambria Math" panose="02040503050406030204" pitchFamily="18" charset="0"/>
+                                      </a:rPr>
                                     </m:ctrlPr>
                                   </m:sSubPr>
                                   <m:e>
                                     <m:r>
-                                      <a:rPr lang="en-US" altLang="ko-KR" sz="1000" b="0" smtClean="0"/>
-                                      <m:t>𝑤</m:t>
+                                      <a:rPr lang="en-US" altLang="ko-KR" sz="1000" b="0" i="1" smtClean="0">
+                                        <a:latin typeface="Cambria Math" panose="02040503050406030204" pitchFamily="18" charset="0"/>
+                                      </a:rPr>
+                                      <m:t>𝑓</m:t>
                                     </m:r>
                                   </m:e>
                                   <m:sub>
                                     <m:r>
-                                      <a:rPr lang="en-US" altLang="ko-KR" sz="1000" b="0" smtClean="0"/>
-                                      <m:t>2</m:t>
-                                    </m:r>
-                                    <m:r>
-                                      <a:rPr lang="en-US" altLang="ko-KR" sz="1000" b="0" smtClean="0"/>
-                                      <m:t>2</m:t>
+                                      <a:rPr lang="en-US" altLang="ko-KR" sz="1000" b="0" smtClean="0">
+                                        <a:latin typeface="Cambria Math" panose="02040503050406030204" pitchFamily="18" charset="0"/>
+                                      </a:rPr>
+                                      <m:t>22</m:t>
                                     </m:r>
                                   </m:sub>
                                 </m:sSub>
@@ -4102,23 +4121,25 @@
                                 <m:sSub>
                                   <m:sSubPr>
                                     <m:ctrlPr>
-                                      <a:rPr lang="en-US" altLang="ko-KR" sz="1000" b="0" smtClean="0"/>
+                                      <a:rPr lang="en-US" altLang="ko-KR" sz="1000" b="0" i="1" smtClean="0">
+                                        <a:latin typeface="Cambria Math" panose="02040503050406030204" pitchFamily="18" charset="0"/>
+                                      </a:rPr>
                                     </m:ctrlPr>
                                   </m:sSubPr>
                                   <m:e>
                                     <m:r>
-                                      <a:rPr lang="en-US" altLang="ko-KR" sz="1000" b="0" smtClean="0"/>
-                                      <m:t>𝑤</m:t>
+                                      <a:rPr lang="en-US" altLang="ko-KR" sz="1000" b="0" i="1" smtClean="0">
+                                        <a:latin typeface="Cambria Math" panose="02040503050406030204" pitchFamily="18" charset="0"/>
+                                      </a:rPr>
+                                      <m:t>𝑓</m:t>
                                     </m:r>
                                   </m:e>
                                   <m:sub>
                                     <m:r>
-                                      <a:rPr lang="en-US" altLang="ko-KR" sz="1000" b="0" smtClean="0"/>
-                                      <m:t>2</m:t>
-                                    </m:r>
-                                    <m:r>
-                                      <a:rPr lang="en-US" altLang="ko-KR" sz="1000" b="0" smtClean="0"/>
-                                      <m:t>3</m:t>
+                                      <a:rPr lang="en-US" altLang="ko-KR" sz="1000" b="0" smtClean="0">
+                                        <a:latin typeface="Cambria Math" panose="02040503050406030204" pitchFamily="18" charset="0"/>
+                                      </a:rPr>
+                                      <m:t>23</m:t>
                                     </m:r>
                                   </m:sub>
                                 </m:sSub>
@@ -4278,23 +4299,25 @@
                                 <m:sSub>
                                   <m:sSubPr>
                                     <m:ctrlPr>
-                                      <a:rPr lang="en-US" altLang="ko-KR" sz="1000" b="0" smtClean="0"/>
+                                      <a:rPr lang="en-US" altLang="ko-KR" sz="1000" b="0" i="1" smtClean="0">
+                                        <a:latin typeface="Cambria Math" panose="02040503050406030204" pitchFamily="18" charset="0"/>
+                                      </a:rPr>
                                     </m:ctrlPr>
                                   </m:sSubPr>
                                   <m:e>
                                     <m:r>
-                                      <a:rPr lang="en-US" altLang="ko-KR" sz="1000" b="0" smtClean="0"/>
-                                      <m:t>𝑤</m:t>
+                                      <a:rPr lang="en-US" altLang="ko-KR" sz="1000" b="0" i="1" smtClean="0">
+                                        <a:latin typeface="Cambria Math" panose="02040503050406030204" pitchFamily="18" charset="0"/>
+                                      </a:rPr>
+                                      <m:t>𝑓</m:t>
                                     </m:r>
                                   </m:e>
                                   <m:sub>
                                     <m:r>
-                                      <a:rPr lang="en-US" altLang="ko-KR" sz="1000" b="0" smtClean="0"/>
-                                      <m:t>3</m:t>
-                                    </m:r>
-                                    <m:r>
-                                      <a:rPr lang="en-US" altLang="ko-KR" sz="1000" b="0" smtClean="0"/>
-                                      <m:t>1</m:t>
+                                      <a:rPr lang="en-US" altLang="ko-KR" sz="1000" b="0" smtClean="0">
+                                        <a:latin typeface="Cambria Math" panose="02040503050406030204" pitchFamily="18" charset="0"/>
+                                      </a:rPr>
+                                      <m:t>31</m:t>
                                     </m:r>
                                   </m:sub>
                                 </m:sSub>
@@ -4374,23 +4397,25 @@
                                 <m:sSub>
                                   <m:sSubPr>
                                     <m:ctrlPr>
-                                      <a:rPr lang="en-US" altLang="ko-KR" sz="1000" b="0" smtClean="0"/>
+                                      <a:rPr lang="en-US" altLang="ko-KR" sz="1000" b="0" i="1" smtClean="0">
+                                        <a:latin typeface="Cambria Math" panose="02040503050406030204" pitchFamily="18" charset="0"/>
+                                      </a:rPr>
                                     </m:ctrlPr>
                                   </m:sSubPr>
                                   <m:e>
                                     <m:r>
-                                      <a:rPr lang="en-US" altLang="ko-KR" sz="1000" b="0" smtClean="0"/>
-                                      <m:t>𝑤</m:t>
+                                      <a:rPr lang="en-US" altLang="ko-KR" sz="1000" b="0" i="1" smtClean="0">
+                                        <a:latin typeface="Cambria Math" panose="02040503050406030204" pitchFamily="18" charset="0"/>
+                                      </a:rPr>
+                                      <m:t>𝑓</m:t>
                                     </m:r>
                                   </m:e>
                                   <m:sub>
                                     <m:r>
-                                      <a:rPr lang="en-US" altLang="ko-KR" sz="1000" b="0" smtClean="0"/>
-                                      <m:t>3</m:t>
-                                    </m:r>
-                                    <m:r>
-                                      <a:rPr lang="en-US" altLang="ko-KR" sz="1000" b="0" smtClean="0"/>
-                                      <m:t>2</m:t>
+                                      <a:rPr lang="en-US" altLang="ko-KR" sz="1000" b="0" smtClean="0">
+                                        <a:latin typeface="Cambria Math" panose="02040503050406030204" pitchFamily="18" charset="0"/>
+                                      </a:rPr>
+                                      <m:t>32</m:t>
                                     </m:r>
                                   </m:sub>
                                 </m:sSub>
@@ -4470,23 +4495,25 @@
                                 <m:sSub>
                                   <m:sSubPr>
                                     <m:ctrlPr>
-                                      <a:rPr lang="en-US" altLang="ko-KR" sz="1000" b="0" smtClean="0"/>
+                                      <a:rPr lang="en-US" altLang="ko-KR" sz="1000" b="0" i="1" smtClean="0">
+                                        <a:latin typeface="Cambria Math" panose="02040503050406030204" pitchFamily="18" charset="0"/>
+                                      </a:rPr>
                                     </m:ctrlPr>
                                   </m:sSubPr>
                                   <m:e>
                                     <m:r>
-                                      <a:rPr lang="en-US" altLang="ko-KR" sz="1000" b="0" smtClean="0"/>
-                                      <m:t>𝑤</m:t>
+                                      <a:rPr lang="en-US" altLang="ko-KR" sz="1000" b="0" i="1" smtClean="0">
+                                        <a:latin typeface="Cambria Math" panose="02040503050406030204" pitchFamily="18" charset="0"/>
+                                      </a:rPr>
+                                      <m:t>𝑓</m:t>
                                     </m:r>
                                   </m:e>
                                   <m:sub>
                                     <m:r>
-                                      <a:rPr lang="en-US" altLang="ko-KR" sz="1000" b="0" smtClean="0"/>
-                                      <m:t>3</m:t>
-                                    </m:r>
-                                    <m:r>
-                                      <a:rPr lang="en-US" altLang="ko-KR" sz="1000" b="0" smtClean="0"/>
-                                      <m:t>3</m:t>
+                                      <a:rPr lang="en-US" altLang="ko-KR" sz="1000" b="0" smtClean="0">
+                                        <a:latin typeface="Cambria Math" panose="02040503050406030204" pitchFamily="18" charset="0"/>
+                                      </a:rPr>
+                                      <m:t>33</m:t>
                                     </m:r>
                                   </m:sub>
                                 </m:sSub>
@@ -5181,18 +5208,24 @@
                                 <m:sSub>
                                   <m:sSubPr>
                                     <m:ctrlPr>
-                                      <a:rPr lang="en-US" altLang="ko-KR" sz="1000" b="0" smtClean="0"/>
+                                      <a:rPr lang="en-US" altLang="ko-KR" sz="1000" b="0" i="1" smtClean="0">
+                                        <a:latin typeface="Cambria Math" panose="02040503050406030204" pitchFamily="18" charset="0"/>
+                                      </a:rPr>
                                     </m:ctrlPr>
                                   </m:sSubPr>
                                   <m:e>
                                     <m:r>
-                                      <a:rPr lang="en-US" altLang="ko-KR" sz="1000" b="0" smtClean="0"/>
-                                      <m:t>𝑤</m:t>
+                                      <a:rPr lang="en-US" altLang="ko-KR" sz="1000" b="0" i="1" smtClean="0">
+                                        <a:latin typeface="Cambria Math" panose="02040503050406030204" pitchFamily="18" charset="0"/>
+                                      </a:rPr>
+                                      <m:t>𝑓</m:t>
                                     </m:r>
                                   </m:e>
                                   <m:sub>
                                     <m:r>
-                                      <a:rPr lang="en-US" altLang="ko-KR" sz="1000" b="0" smtClean="0"/>
+                                      <a:rPr lang="en-US" altLang="ko-KR" sz="1000" b="0" smtClean="0">
+                                        <a:latin typeface="Cambria Math" panose="02040503050406030204" pitchFamily="18" charset="0"/>
+                                      </a:rPr>
                                       <m:t>11</m:t>
                                     </m:r>
                                   </m:sub>
@@ -5273,18 +5306,24 @@
                                 <m:sSub>
                                   <m:sSubPr>
                                     <m:ctrlPr>
-                                      <a:rPr lang="en-US" altLang="ko-KR" sz="1000" b="0" smtClean="0"/>
+                                      <a:rPr lang="en-US" altLang="ko-KR" sz="1000" b="0" i="1" smtClean="0">
+                                        <a:latin typeface="Cambria Math" panose="02040503050406030204" pitchFamily="18" charset="0"/>
+                                      </a:rPr>
                                     </m:ctrlPr>
                                   </m:sSubPr>
                                   <m:e>
                                     <m:r>
-                                      <a:rPr lang="en-US" altLang="ko-KR" sz="1000" b="0" smtClean="0"/>
-                                      <m:t>𝑤</m:t>
+                                      <a:rPr lang="en-US" altLang="ko-KR" sz="1000" b="0" i="1" smtClean="0">
+                                        <a:latin typeface="Cambria Math" panose="02040503050406030204" pitchFamily="18" charset="0"/>
+                                      </a:rPr>
+                                      <m:t>𝑓</m:t>
                                     </m:r>
                                   </m:e>
                                   <m:sub>
                                     <m:r>
-                                      <a:rPr lang="en-US" altLang="ko-KR" sz="1000" b="0" smtClean="0"/>
+                                      <a:rPr lang="en-US" altLang="ko-KR" sz="1000" b="0" smtClean="0">
+                                        <a:latin typeface="Cambria Math" panose="02040503050406030204" pitchFamily="18" charset="0"/>
+                                      </a:rPr>
                                       <m:t>12</m:t>
                                     </m:r>
                                   </m:sub>
@@ -5365,18 +5404,24 @@
                                 <m:sSub>
                                   <m:sSubPr>
                                     <m:ctrlPr>
-                                      <a:rPr lang="en-US" altLang="ko-KR" sz="1000" b="0" smtClean="0"/>
+                                      <a:rPr lang="en-US" altLang="ko-KR" sz="1000" b="0" i="1" smtClean="0">
+                                        <a:latin typeface="Cambria Math" panose="02040503050406030204" pitchFamily="18" charset="0"/>
+                                      </a:rPr>
                                     </m:ctrlPr>
                                   </m:sSubPr>
                                   <m:e>
                                     <m:r>
-                                      <a:rPr lang="en-US" altLang="ko-KR" sz="1000" b="0" smtClean="0"/>
-                                      <m:t>𝑤</m:t>
+                                      <a:rPr lang="en-US" altLang="ko-KR" sz="1000" b="0" i="1" smtClean="0">
+                                        <a:latin typeface="Cambria Math" panose="02040503050406030204" pitchFamily="18" charset="0"/>
+                                      </a:rPr>
+                                      <m:t>𝑓</m:t>
                                     </m:r>
                                   </m:e>
                                   <m:sub>
                                     <m:r>
-                                      <a:rPr lang="en-US" altLang="ko-KR" sz="1000" b="0" smtClean="0"/>
+                                      <a:rPr lang="en-US" altLang="ko-KR" sz="1000" b="0" smtClean="0">
+                                        <a:latin typeface="Cambria Math" panose="02040503050406030204" pitchFamily="18" charset="0"/>
+                                      </a:rPr>
                                       <m:t>13</m:t>
                                     </m:r>
                                   </m:sub>
@@ -5537,18 +5582,24 @@
                                 <m:sSub>
                                   <m:sSubPr>
                                     <m:ctrlPr>
-                                      <a:rPr lang="en-US" altLang="ko-KR" sz="1000" b="0" smtClean="0"/>
+                                      <a:rPr lang="en-US" altLang="ko-KR" sz="1000" b="0" i="1" smtClean="0">
+                                        <a:latin typeface="Cambria Math" panose="02040503050406030204" pitchFamily="18" charset="0"/>
+                                      </a:rPr>
                                     </m:ctrlPr>
                                   </m:sSubPr>
                                   <m:e>
                                     <m:r>
-                                      <a:rPr lang="en-US" altLang="ko-KR" sz="1000" b="0" smtClean="0"/>
-                                      <m:t>𝑤</m:t>
+                                      <a:rPr lang="en-US" altLang="ko-KR" sz="1000" b="0" i="1" smtClean="0">
+                                        <a:latin typeface="Cambria Math" panose="02040503050406030204" pitchFamily="18" charset="0"/>
+                                      </a:rPr>
+                                      <m:t>𝑓</m:t>
                                     </m:r>
                                   </m:e>
                                   <m:sub>
                                     <m:r>
-                                      <a:rPr lang="en-US" altLang="ko-KR" sz="1000" b="0" smtClean="0"/>
+                                      <a:rPr lang="en-US" altLang="ko-KR" sz="1000" b="0" smtClean="0">
+                                        <a:latin typeface="Cambria Math" panose="02040503050406030204" pitchFamily="18" charset="0"/>
+                                      </a:rPr>
                                       <m:t>21</m:t>
                                     </m:r>
                                   </m:sub>
@@ -5629,18 +5680,24 @@
                                 <m:sSub>
                                   <m:sSubPr>
                                     <m:ctrlPr>
-                                      <a:rPr lang="en-US" altLang="ko-KR" sz="1000" b="0" smtClean="0"/>
+                                      <a:rPr lang="en-US" altLang="ko-KR" sz="1000" b="0" i="1" smtClean="0">
+                                        <a:latin typeface="Cambria Math" panose="02040503050406030204" pitchFamily="18" charset="0"/>
+                                      </a:rPr>
                                     </m:ctrlPr>
                                   </m:sSubPr>
                                   <m:e>
                                     <m:r>
-                                      <a:rPr lang="en-US" altLang="ko-KR" sz="1000" b="0" smtClean="0"/>
-                                      <m:t>𝑤</m:t>
+                                      <a:rPr lang="en-US" altLang="ko-KR" sz="1000" b="0" i="1" smtClean="0">
+                                        <a:latin typeface="Cambria Math" panose="02040503050406030204" pitchFamily="18" charset="0"/>
+                                      </a:rPr>
+                                      <m:t>𝑓</m:t>
                                     </m:r>
                                   </m:e>
                                   <m:sub>
                                     <m:r>
-                                      <a:rPr lang="en-US" altLang="ko-KR" sz="1000" b="0" smtClean="0"/>
+                                      <a:rPr lang="en-US" altLang="ko-KR" sz="1000" b="0" smtClean="0">
+                                        <a:latin typeface="Cambria Math" panose="02040503050406030204" pitchFamily="18" charset="0"/>
+                                      </a:rPr>
                                       <m:t>22</m:t>
                                     </m:r>
                                   </m:sub>
@@ -5721,18 +5778,24 @@
                                 <m:sSub>
                                   <m:sSubPr>
                                     <m:ctrlPr>
-                                      <a:rPr lang="en-US" altLang="ko-KR" sz="1000" b="0" smtClean="0"/>
+                                      <a:rPr lang="en-US" altLang="ko-KR" sz="1000" b="0" i="1" smtClean="0">
+                                        <a:latin typeface="Cambria Math" panose="02040503050406030204" pitchFamily="18" charset="0"/>
+                                      </a:rPr>
                                     </m:ctrlPr>
                                   </m:sSubPr>
                                   <m:e>
                                     <m:r>
-                                      <a:rPr lang="en-US" altLang="ko-KR" sz="1000" b="0" smtClean="0"/>
-                                      <m:t>𝑤</m:t>
+                                      <a:rPr lang="en-US" altLang="ko-KR" sz="1000" b="0" i="1" smtClean="0">
+                                        <a:latin typeface="Cambria Math" panose="02040503050406030204" pitchFamily="18" charset="0"/>
+                                      </a:rPr>
+                                      <m:t>𝑓</m:t>
                                     </m:r>
                                   </m:e>
                                   <m:sub>
                                     <m:r>
-                                      <a:rPr lang="en-US" altLang="ko-KR" sz="1000" b="0" smtClean="0"/>
+                                      <a:rPr lang="en-US" altLang="ko-KR" sz="1000" b="0" smtClean="0">
+                                        <a:latin typeface="Cambria Math" panose="02040503050406030204" pitchFamily="18" charset="0"/>
+                                      </a:rPr>
                                       <m:t>23</m:t>
                                     </m:r>
                                   </m:sub>
@@ -5893,18 +5956,24 @@
                                 <m:sSub>
                                   <m:sSubPr>
                                     <m:ctrlPr>
-                                      <a:rPr lang="en-US" altLang="ko-KR" sz="1000" b="0" smtClean="0"/>
+                                      <a:rPr lang="en-US" altLang="ko-KR" sz="1000" b="0" i="1" smtClean="0">
+                                        <a:latin typeface="Cambria Math" panose="02040503050406030204" pitchFamily="18" charset="0"/>
+                                      </a:rPr>
                                     </m:ctrlPr>
                                   </m:sSubPr>
                                   <m:e>
                                     <m:r>
-                                      <a:rPr lang="en-US" altLang="ko-KR" sz="1000" b="0" smtClean="0"/>
-                                      <m:t>𝑤</m:t>
+                                      <a:rPr lang="en-US" altLang="ko-KR" sz="1000" b="0" i="1" smtClean="0">
+                                        <a:latin typeface="Cambria Math" panose="02040503050406030204" pitchFamily="18" charset="0"/>
+                                      </a:rPr>
+                                      <m:t>𝑓</m:t>
                                     </m:r>
                                   </m:e>
                                   <m:sub>
                                     <m:r>
-                                      <a:rPr lang="en-US" altLang="ko-KR" sz="1000" b="0" smtClean="0"/>
+                                      <a:rPr lang="en-US" altLang="ko-KR" sz="1000" b="0" smtClean="0">
+                                        <a:latin typeface="Cambria Math" panose="02040503050406030204" pitchFamily="18" charset="0"/>
+                                      </a:rPr>
                                       <m:t>31</m:t>
                                     </m:r>
                                   </m:sub>
@@ -5985,18 +6054,24 @@
                                 <m:sSub>
                                   <m:sSubPr>
                                     <m:ctrlPr>
-                                      <a:rPr lang="en-US" altLang="ko-KR" sz="1000" b="0" smtClean="0"/>
+                                      <a:rPr lang="en-US" altLang="ko-KR" sz="1000" b="0" i="1" smtClean="0">
+                                        <a:latin typeface="Cambria Math" panose="02040503050406030204" pitchFamily="18" charset="0"/>
+                                      </a:rPr>
                                     </m:ctrlPr>
                                   </m:sSubPr>
                                   <m:e>
                                     <m:r>
-                                      <a:rPr lang="en-US" altLang="ko-KR" sz="1000" b="0" smtClean="0"/>
-                                      <m:t>𝑤</m:t>
+                                      <a:rPr lang="en-US" altLang="ko-KR" sz="1000" b="0" i="1" smtClean="0">
+                                        <a:latin typeface="Cambria Math" panose="02040503050406030204" pitchFamily="18" charset="0"/>
+                                      </a:rPr>
+                                      <m:t>𝑓</m:t>
                                     </m:r>
                                   </m:e>
                                   <m:sub>
                                     <m:r>
-                                      <a:rPr lang="en-US" altLang="ko-KR" sz="1000" b="0" smtClean="0"/>
+                                      <a:rPr lang="en-US" altLang="ko-KR" sz="1000" b="0" smtClean="0">
+                                        <a:latin typeface="Cambria Math" panose="02040503050406030204" pitchFamily="18" charset="0"/>
+                                      </a:rPr>
                                       <m:t>32</m:t>
                                     </m:r>
                                   </m:sub>
@@ -6077,18 +6152,24 @@
                                 <m:sSub>
                                   <m:sSubPr>
                                     <m:ctrlPr>
-                                      <a:rPr lang="en-US" altLang="ko-KR" sz="1000" b="0" smtClean="0"/>
+                                      <a:rPr lang="en-US" altLang="ko-KR" sz="1000" b="0" i="1" smtClean="0">
+                                        <a:latin typeface="Cambria Math" panose="02040503050406030204" pitchFamily="18" charset="0"/>
+                                      </a:rPr>
                                     </m:ctrlPr>
                                   </m:sSubPr>
                                   <m:e>
                                     <m:r>
-                                      <a:rPr lang="en-US" altLang="ko-KR" sz="1000" b="0" smtClean="0"/>
-                                      <m:t>𝑤</m:t>
+                                      <a:rPr lang="en-US" altLang="ko-KR" sz="1000" b="0" i="1" smtClean="0">
+                                        <a:latin typeface="Cambria Math" panose="02040503050406030204" pitchFamily="18" charset="0"/>
+                                      </a:rPr>
+                                      <m:t>𝑓</m:t>
                                     </m:r>
                                   </m:e>
                                   <m:sub>
                                     <m:r>
-                                      <a:rPr lang="en-US" altLang="ko-KR" sz="1000" b="0" smtClean="0"/>
+                                      <a:rPr lang="en-US" altLang="ko-KR" sz="1000" b="0" smtClean="0">
+                                        <a:latin typeface="Cambria Math" panose="02040503050406030204" pitchFamily="18" charset="0"/>
+                                      </a:rPr>
                                       <m:t>33</m:t>
                                     </m:r>
                                   </m:sub>
@@ -6727,7 +6808,7 @@
                         <a:lstStyle/>
                         <a:p>
                           <a:pPr algn="ctr" latinLnBrk="1"/>
-                          <a:endParaRPr lang="ko-KR" altLang="en-US" sz="1000"/>
+                          <a:endParaRPr lang="ko-KR" altLang="en-US" sz="1000" dirty="0"/>
                         </a:p>
                       </a:txBody>
                       <a:tcPr anchor="ctr">
@@ -6784,18 +6865,24 @@
                                 <m:sSub>
                                   <m:sSubPr>
                                     <m:ctrlPr>
-                                      <a:rPr lang="en-US" altLang="ko-KR" sz="1000" b="0" smtClean="0"/>
+                                      <a:rPr lang="en-US" altLang="ko-KR" sz="1000" b="0" i="1" smtClean="0">
+                                        <a:latin typeface="Cambria Math" panose="02040503050406030204" pitchFamily="18" charset="0"/>
+                                      </a:rPr>
                                     </m:ctrlPr>
                                   </m:sSubPr>
                                   <m:e>
                                     <m:r>
-                                      <a:rPr lang="en-US" altLang="ko-KR" sz="1000" b="0" smtClean="0"/>
-                                      <m:t>𝑤</m:t>
+                                      <a:rPr lang="en-US" altLang="ko-KR" sz="1000" b="0" i="1" smtClean="0">
+                                        <a:latin typeface="Cambria Math" panose="02040503050406030204" pitchFamily="18" charset="0"/>
+                                      </a:rPr>
+                                      <m:t>𝑓</m:t>
                                     </m:r>
                                   </m:e>
                                   <m:sub>
                                     <m:r>
-                                      <a:rPr lang="en-US" altLang="ko-KR" sz="1000" b="0" smtClean="0"/>
+                                      <a:rPr lang="en-US" altLang="ko-KR" sz="1000" b="0" smtClean="0">
+                                        <a:latin typeface="Cambria Math" panose="02040503050406030204" pitchFamily="18" charset="0"/>
+                                      </a:rPr>
                                       <m:t>11</m:t>
                                     </m:r>
                                   </m:sub>
@@ -6876,18 +6963,24 @@
                                 <m:sSub>
                                   <m:sSubPr>
                                     <m:ctrlPr>
-                                      <a:rPr lang="en-US" altLang="ko-KR" sz="1000" b="0" smtClean="0"/>
+                                      <a:rPr lang="en-US" altLang="ko-KR" sz="1000" b="0" i="1" smtClean="0">
+                                        <a:latin typeface="Cambria Math" panose="02040503050406030204" pitchFamily="18" charset="0"/>
+                                      </a:rPr>
                                     </m:ctrlPr>
                                   </m:sSubPr>
                                   <m:e>
                                     <m:r>
-                                      <a:rPr lang="en-US" altLang="ko-KR" sz="1000" b="0" smtClean="0"/>
-                                      <m:t>𝑤</m:t>
+                                      <a:rPr lang="en-US" altLang="ko-KR" sz="1000" b="0" i="1" smtClean="0">
+                                        <a:latin typeface="Cambria Math" panose="02040503050406030204" pitchFamily="18" charset="0"/>
+                                      </a:rPr>
+                                      <m:t>𝑓</m:t>
                                     </m:r>
                                   </m:e>
                                   <m:sub>
                                     <m:r>
-                                      <a:rPr lang="en-US" altLang="ko-KR" sz="1000" b="0" smtClean="0"/>
+                                      <a:rPr lang="en-US" altLang="ko-KR" sz="1000" b="0" smtClean="0">
+                                        <a:latin typeface="Cambria Math" panose="02040503050406030204" pitchFamily="18" charset="0"/>
+                                      </a:rPr>
                                       <m:t>12</m:t>
                                     </m:r>
                                   </m:sub>
@@ -6968,18 +7061,24 @@
                                 <m:sSub>
                                   <m:sSubPr>
                                     <m:ctrlPr>
-                                      <a:rPr lang="en-US" altLang="ko-KR" sz="1000" b="0" smtClean="0"/>
+                                      <a:rPr lang="en-US" altLang="ko-KR" sz="1000" b="0" i="1" smtClean="0">
+                                        <a:latin typeface="Cambria Math" panose="02040503050406030204" pitchFamily="18" charset="0"/>
+                                      </a:rPr>
                                     </m:ctrlPr>
                                   </m:sSubPr>
                                   <m:e>
                                     <m:r>
-                                      <a:rPr lang="en-US" altLang="ko-KR" sz="1000" b="0" smtClean="0"/>
-                                      <m:t>𝑤</m:t>
+                                      <a:rPr lang="en-US" altLang="ko-KR" sz="1000" b="0" i="1" smtClean="0">
+                                        <a:latin typeface="Cambria Math" panose="02040503050406030204" pitchFamily="18" charset="0"/>
+                                      </a:rPr>
+                                      <m:t>𝑓</m:t>
                                     </m:r>
                                   </m:e>
                                   <m:sub>
                                     <m:r>
-                                      <a:rPr lang="en-US" altLang="ko-KR" sz="1000" b="0" smtClean="0"/>
+                                      <a:rPr lang="en-US" altLang="ko-KR" sz="1000" b="0" smtClean="0">
+                                        <a:latin typeface="Cambria Math" panose="02040503050406030204" pitchFamily="18" charset="0"/>
+                                      </a:rPr>
                                       <m:t>13</m:t>
                                     </m:r>
                                   </m:sub>
@@ -7140,18 +7239,24 @@
                                 <m:sSub>
                                   <m:sSubPr>
                                     <m:ctrlPr>
-                                      <a:rPr lang="en-US" altLang="ko-KR" sz="1000" b="0" smtClean="0"/>
+                                      <a:rPr lang="en-US" altLang="ko-KR" sz="1000" b="0" i="1" smtClean="0">
+                                        <a:latin typeface="Cambria Math" panose="02040503050406030204" pitchFamily="18" charset="0"/>
+                                      </a:rPr>
                                     </m:ctrlPr>
                                   </m:sSubPr>
                                   <m:e>
                                     <m:r>
-                                      <a:rPr lang="en-US" altLang="ko-KR" sz="1000" b="0" smtClean="0"/>
-                                      <m:t>𝑤</m:t>
+                                      <a:rPr lang="en-US" altLang="ko-KR" sz="1000" b="0" i="1" smtClean="0">
+                                        <a:latin typeface="Cambria Math" panose="02040503050406030204" pitchFamily="18" charset="0"/>
+                                      </a:rPr>
+                                      <m:t>𝑓</m:t>
                                     </m:r>
                                   </m:e>
                                   <m:sub>
                                     <m:r>
-                                      <a:rPr lang="en-US" altLang="ko-KR" sz="1000" b="0" smtClean="0"/>
+                                      <a:rPr lang="en-US" altLang="ko-KR" sz="1000" b="0" smtClean="0">
+                                        <a:latin typeface="Cambria Math" panose="02040503050406030204" pitchFamily="18" charset="0"/>
+                                      </a:rPr>
                                       <m:t>21</m:t>
                                     </m:r>
                                   </m:sub>
@@ -7232,18 +7337,24 @@
                                 <m:sSub>
                                   <m:sSubPr>
                                     <m:ctrlPr>
-                                      <a:rPr lang="en-US" altLang="ko-KR" sz="1000" b="0" smtClean="0"/>
+                                      <a:rPr lang="en-US" altLang="ko-KR" sz="1000" b="0" i="1" smtClean="0">
+                                        <a:latin typeface="Cambria Math" panose="02040503050406030204" pitchFamily="18" charset="0"/>
+                                      </a:rPr>
                                     </m:ctrlPr>
                                   </m:sSubPr>
                                   <m:e>
                                     <m:r>
-                                      <a:rPr lang="en-US" altLang="ko-KR" sz="1000" b="0" smtClean="0"/>
-                                      <m:t>𝑤</m:t>
+                                      <a:rPr lang="en-US" altLang="ko-KR" sz="1000" b="0" i="1" smtClean="0">
+                                        <a:latin typeface="Cambria Math" panose="02040503050406030204" pitchFamily="18" charset="0"/>
+                                      </a:rPr>
+                                      <m:t>𝑓</m:t>
                                     </m:r>
                                   </m:e>
                                   <m:sub>
                                     <m:r>
-                                      <a:rPr lang="en-US" altLang="ko-KR" sz="1000" b="0" smtClean="0"/>
+                                      <a:rPr lang="en-US" altLang="ko-KR" sz="1000" b="0" smtClean="0">
+                                        <a:latin typeface="Cambria Math" panose="02040503050406030204" pitchFamily="18" charset="0"/>
+                                      </a:rPr>
                                       <m:t>22</m:t>
                                     </m:r>
                                   </m:sub>
@@ -7324,18 +7435,24 @@
                                 <m:sSub>
                                   <m:sSubPr>
                                     <m:ctrlPr>
-                                      <a:rPr lang="en-US" altLang="ko-KR" sz="1000" b="0" smtClean="0"/>
+                                      <a:rPr lang="en-US" altLang="ko-KR" sz="1000" b="0" i="1" smtClean="0">
+                                        <a:latin typeface="Cambria Math" panose="02040503050406030204" pitchFamily="18" charset="0"/>
+                                      </a:rPr>
                                     </m:ctrlPr>
                                   </m:sSubPr>
                                   <m:e>
                                     <m:r>
-                                      <a:rPr lang="en-US" altLang="ko-KR" sz="1000" b="0" smtClean="0"/>
-                                      <m:t>𝑤</m:t>
+                                      <a:rPr lang="en-US" altLang="ko-KR" sz="1000" b="0" i="1" smtClean="0">
+                                        <a:latin typeface="Cambria Math" panose="02040503050406030204" pitchFamily="18" charset="0"/>
+                                      </a:rPr>
+                                      <m:t>𝑓</m:t>
                                     </m:r>
                                   </m:e>
                                   <m:sub>
                                     <m:r>
-                                      <a:rPr lang="en-US" altLang="ko-KR" sz="1000" b="0" smtClean="0"/>
+                                      <a:rPr lang="en-US" altLang="ko-KR" sz="1000" b="0" smtClean="0">
+                                        <a:latin typeface="Cambria Math" panose="02040503050406030204" pitchFamily="18" charset="0"/>
+                                      </a:rPr>
                                       <m:t>23</m:t>
                                     </m:r>
                                   </m:sub>
@@ -7496,18 +7613,24 @@
                                 <m:sSub>
                                   <m:sSubPr>
                                     <m:ctrlPr>
-                                      <a:rPr lang="en-US" altLang="ko-KR" sz="1000" b="0" smtClean="0"/>
+                                      <a:rPr lang="en-US" altLang="ko-KR" sz="1000" b="0" i="1" smtClean="0">
+                                        <a:latin typeface="Cambria Math" panose="02040503050406030204" pitchFamily="18" charset="0"/>
+                                      </a:rPr>
                                     </m:ctrlPr>
                                   </m:sSubPr>
                                   <m:e>
                                     <m:r>
-                                      <a:rPr lang="en-US" altLang="ko-KR" sz="1000" b="0" smtClean="0"/>
-                                      <m:t>𝑤</m:t>
+                                      <a:rPr lang="en-US" altLang="ko-KR" sz="1000" b="0" i="1" smtClean="0">
+                                        <a:latin typeface="Cambria Math" panose="02040503050406030204" pitchFamily="18" charset="0"/>
+                                      </a:rPr>
+                                      <m:t>𝑓</m:t>
                                     </m:r>
                                   </m:e>
                                   <m:sub>
                                     <m:r>
-                                      <a:rPr lang="en-US" altLang="ko-KR" sz="1000" b="0" smtClean="0"/>
+                                      <a:rPr lang="en-US" altLang="ko-KR" sz="1000" b="0" smtClean="0">
+                                        <a:latin typeface="Cambria Math" panose="02040503050406030204" pitchFamily="18" charset="0"/>
+                                      </a:rPr>
                                       <m:t>31</m:t>
                                     </m:r>
                                   </m:sub>
@@ -7588,18 +7711,24 @@
                                 <m:sSub>
                                   <m:sSubPr>
                                     <m:ctrlPr>
-                                      <a:rPr lang="en-US" altLang="ko-KR" sz="1000" b="0" smtClean="0"/>
+                                      <a:rPr lang="en-US" altLang="ko-KR" sz="1000" b="0" i="1" smtClean="0">
+                                        <a:latin typeface="Cambria Math" panose="02040503050406030204" pitchFamily="18" charset="0"/>
+                                      </a:rPr>
                                     </m:ctrlPr>
                                   </m:sSubPr>
                                   <m:e>
                                     <m:r>
-                                      <a:rPr lang="en-US" altLang="ko-KR" sz="1000" b="0" smtClean="0"/>
-                                      <m:t>𝑤</m:t>
+                                      <a:rPr lang="en-US" altLang="ko-KR" sz="1000" b="0" i="1" smtClean="0">
+                                        <a:latin typeface="Cambria Math" panose="02040503050406030204" pitchFamily="18" charset="0"/>
+                                      </a:rPr>
+                                      <m:t>𝑓</m:t>
                                     </m:r>
                                   </m:e>
                                   <m:sub>
                                     <m:r>
-                                      <a:rPr lang="en-US" altLang="ko-KR" sz="1000" b="0" smtClean="0"/>
+                                      <a:rPr lang="en-US" altLang="ko-KR" sz="1000" b="0" smtClean="0">
+                                        <a:latin typeface="Cambria Math" panose="02040503050406030204" pitchFamily="18" charset="0"/>
+                                      </a:rPr>
                                       <m:t>32</m:t>
                                     </m:r>
                                   </m:sub>
@@ -7680,18 +7809,24 @@
                                 <m:sSub>
                                   <m:sSubPr>
                                     <m:ctrlPr>
-                                      <a:rPr lang="en-US" altLang="ko-KR" sz="1000" b="0" smtClean="0"/>
+                                      <a:rPr lang="en-US" altLang="ko-KR" sz="1000" b="0" i="1" smtClean="0">
+                                        <a:latin typeface="Cambria Math" panose="02040503050406030204" pitchFamily="18" charset="0"/>
+                                      </a:rPr>
                                     </m:ctrlPr>
                                   </m:sSubPr>
                                   <m:e>
                                     <m:r>
-                                      <a:rPr lang="en-US" altLang="ko-KR" sz="1000" b="0" smtClean="0"/>
-                                      <m:t>𝑤</m:t>
+                                      <a:rPr lang="en-US" altLang="ko-KR" sz="1000" b="0" i="1" smtClean="0">
+                                        <a:latin typeface="Cambria Math" panose="02040503050406030204" pitchFamily="18" charset="0"/>
+                                      </a:rPr>
+                                      <m:t>𝑓</m:t>
                                     </m:r>
                                   </m:e>
                                   <m:sub>
                                     <m:r>
-                                      <a:rPr lang="en-US" altLang="ko-KR" sz="1000" b="0" smtClean="0"/>
+                                      <a:rPr lang="en-US" altLang="ko-KR" sz="1000" b="0" smtClean="0">
+                                        <a:latin typeface="Cambria Math" panose="02040503050406030204" pitchFamily="18" charset="0"/>
+                                      </a:rPr>
                                       <m:t>33</m:t>
                                     </m:r>
                                   </m:sub>
@@ -8282,7 +8417,7 @@
                         <a:lstStyle/>
                         <a:p>
                           <a:pPr algn="ctr" latinLnBrk="1"/>
-                          <a:endParaRPr lang="ko-KR" altLang="en-US" sz="1000"/>
+                          <a:endParaRPr lang="ko-KR" altLang="en-US" sz="1000" dirty="0"/>
                         </a:p>
                       </a:txBody>
                       <a:tcPr anchor="ctr">
@@ -8330,7 +8465,7 @@
                         <a:lstStyle/>
                         <a:p>
                           <a:pPr algn="ctr" latinLnBrk="1"/>
-                          <a:endParaRPr lang="ko-KR" altLang="en-US" sz="1000"/>
+                          <a:endParaRPr lang="ko-KR" altLang="en-US" sz="1000" dirty="0"/>
                         </a:p>
                       </a:txBody>
                       <a:tcPr anchor="ctr">
@@ -8378,7 +8513,7 @@
                         <a:lstStyle/>
                         <a:p>
                           <a:pPr algn="ctr" latinLnBrk="1"/>
-                          <a:endParaRPr lang="ko-KR" altLang="en-US" sz="1000"/>
+                          <a:endParaRPr lang="ko-KR" altLang="en-US" sz="1000" dirty="0"/>
                         </a:p>
                       </a:txBody>
                       <a:tcPr anchor="ctr">
@@ -8426,7 +8561,7 @@
                         <a:lstStyle/>
                         <a:p>
                           <a:pPr algn="ctr" latinLnBrk="1"/>
-                          <a:endParaRPr lang="ko-KR" altLang="en-US" sz="1000"/>
+                          <a:endParaRPr lang="ko-KR" altLang="en-US" sz="1000" dirty="0"/>
                         </a:p>
                       </a:txBody>
                       <a:tcPr anchor="ctr">
@@ -8483,18 +8618,24 @@
                                 <m:sSub>
                                   <m:sSubPr>
                                     <m:ctrlPr>
-                                      <a:rPr lang="en-US" altLang="ko-KR" sz="1000" b="0" smtClean="0"/>
+                                      <a:rPr lang="en-US" altLang="ko-KR" sz="1000" b="0" i="1" smtClean="0">
+                                        <a:latin typeface="Cambria Math" panose="02040503050406030204" pitchFamily="18" charset="0"/>
+                                      </a:rPr>
                                     </m:ctrlPr>
                                   </m:sSubPr>
                                   <m:e>
                                     <m:r>
-                                      <a:rPr lang="en-US" altLang="ko-KR" sz="1000" b="0" smtClean="0"/>
-                                      <m:t>𝑤</m:t>
+                                      <a:rPr lang="en-US" altLang="ko-KR" sz="1000" b="0" i="1" smtClean="0">
+                                        <a:latin typeface="Cambria Math" panose="02040503050406030204" pitchFamily="18" charset="0"/>
+                                      </a:rPr>
+                                      <m:t>𝑓</m:t>
                                     </m:r>
                                   </m:e>
                                   <m:sub>
                                     <m:r>
-                                      <a:rPr lang="en-US" altLang="ko-KR" sz="1000" b="0" smtClean="0"/>
+                                      <a:rPr lang="en-US" altLang="ko-KR" sz="1000" b="0" smtClean="0">
+                                        <a:latin typeface="Cambria Math" panose="02040503050406030204" pitchFamily="18" charset="0"/>
+                                      </a:rPr>
                                       <m:t>11</m:t>
                                     </m:r>
                                   </m:sub>
@@ -8575,18 +8716,24 @@
                                 <m:sSub>
                                   <m:sSubPr>
                                     <m:ctrlPr>
-                                      <a:rPr lang="en-US" altLang="ko-KR" sz="1000" b="0" smtClean="0"/>
+                                      <a:rPr lang="en-US" altLang="ko-KR" sz="1000" b="0" i="1" smtClean="0">
+                                        <a:latin typeface="Cambria Math" panose="02040503050406030204" pitchFamily="18" charset="0"/>
+                                      </a:rPr>
                                     </m:ctrlPr>
                                   </m:sSubPr>
                                   <m:e>
                                     <m:r>
-                                      <a:rPr lang="en-US" altLang="ko-KR" sz="1000" b="0" smtClean="0"/>
-                                      <m:t>𝑤</m:t>
+                                      <a:rPr lang="en-US" altLang="ko-KR" sz="1000" b="0" i="1" smtClean="0">
+                                        <a:latin typeface="Cambria Math" panose="02040503050406030204" pitchFamily="18" charset="0"/>
+                                      </a:rPr>
+                                      <m:t>𝑓</m:t>
                                     </m:r>
                                   </m:e>
                                   <m:sub>
                                     <m:r>
-                                      <a:rPr lang="en-US" altLang="ko-KR" sz="1000" b="0" smtClean="0"/>
+                                      <a:rPr lang="en-US" altLang="ko-KR" sz="1000" b="0" smtClean="0">
+                                        <a:latin typeface="Cambria Math" panose="02040503050406030204" pitchFamily="18" charset="0"/>
+                                      </a:rPr>
                                       <m:t>12</m:t>
                                     </m:r>
                                   </m:sub>
@@ -8667,18 +8814,24 @@
                                 <m:sSub>
                                   <m:sSubPr>
                                     <m:ctrlPr>
-                                      <a:rPr lang="en-US" altLang="ko-KR" sz="1000" b="0" smtClean="0"/>
+                                      <a:rPr lang="en-US" altLang="ko-KR" sz="1000" b="0" i="1" smtClean="0">
+                                        <a:latin typeface="Cambria Math" panose="02040503050406030204" pitchFamily="18" charset="0"/>
+                                      </a:rPr>
                                     </m:ctrlPr>
                                   </m:sSubPr>
                                   <m:e>
                                     <m:r>
-                                      <a:rPr lang="en-US" altLang="ko-KR" sz="1000" b="0" smtClean="0"/>
-                                      <m:t>𝑤</m:t>
+                                      <a:rPr lang="en-US" altLang="ko-KR" sz="1000" b="0" i="1" smtClean="0">
+                                        <a:latin typeface="Cambria Math" panose="02040503050406030204" pitchFamily="18" charset="0"/>
+                                      </a:rPr>
+                                      <m:t>𝑓</m:t>
                                     </m:r>
                                   </m:e>
                                   <m:sub>
                                     <m:r>
-                                      <a:rPr lang="en-US" altLang="ko-KR" sz="1000" b="0" smtClean="0"/>
+                                      <a:rPr lang="en-US" altLang="ko-KR" sz="1000" b="0" smtClean="0">
+                                        <a:latin typeface="Cambria Math" panose="02040503050406030204" pitchFamily="18" charset="0"/>
+                                      </a:rPr>
                                       <m:t>13</m:t>
                                     </m:r>
                                   </m:sub>
@@ -8839,18 +8992,24 @@
                                 <m:sSub>
                                   <m:sSubPr>
                                     <m:ctrlPr>
-                                      <a:rPr lang="en-US" altLang="ko-KR" sz="1000" b="0" smtClean="0"/>
+                                      <a:rPr lang="en-US" altLang="ko-KR" sz="1000" b="0" i="1" smtClean="0">
+                                        <a:latin typeface="Cambria Math" panose="02040503050406030204" pitchFamily="18" charset="0"/>
+                                      </a:rPr>
                                     </m:ctrlPr>
                                   </m:sSubPr>
                                   <m:e>
                                     <m:r>
-                                      <a:rPr lang="en-US" altLang="ko-KR" sz="1000" b="0" smtClean="0"/>
-                                      <m:t>𝑤</m:t>
+                                      <a:rPr lang="en-US" altLang="ko-KR" sz="1000" b="0" i="1" smtClean="0">
+                                        <a:latin typeface="Cambria Math" panose="02040503050406030204" pitchFamily="18" charset="0"/>
+                                      </a:rPr>
+                                      <m:t>𝑓</m:t>
                                     </m:r>
                                   </m:e>
                                   <m:sub>
                                     <m:r>
-                                      <a:rPr lang="en-US" altLang="ko-KR" sz="1000" b="0" smtClean="0"/>
+                                      <a:rPr lang="en-US" altLang="ko-KR" sz="1000" b="0" smtClean="0">
+                                        <a:latin typeface="Cambria Math" panose="02040503050406030204" pitchFamily="18" charset="0"/>
+                                      </a:rPr>
                                       <m:t>21</m:t>
                                     </m:r>
                                   </m:sub>
@@ -8931,18 +9090,24 @@
                                 <m:sSub>
                                   <m:sSubPr>
                                     <m:ctrlPr>
-                                      <a:rPr lang="en-US" altLang="ko-KR" sz="1000" b="0" smtClean="0"/>
+                                      <a:rPr lang="en-US" altLang="ko-KR" sz="1000" b="0" i="1" smtClean="0">
+                                        <a:latin typeface="Cambria Math" panose="02040503050406030204" pitchFamily="18" charset="0"/>
+                                      </a:rPr>
                                     </m:ctrlPr>
                                   </m:sSubPr>
                                   <m:e>
                                     <m:r>
-                                      <a:rPr lang="en-US" altLang="ko-KR" sz="1000" b="0" smtClean="0"/>
-                                      <m:t>𝑤</m:t>
+                                      <a:rPr lang="en-US" altLang="ko-KR" sz="1000" b="0" i="1" smtClean="0">
+                                        <a:latin typeface="Cambria Math" panose="02040503050406030204" pitchFamily="18" charset="0"/>
+                                      </a:rPr>
+                                      <m:t>𝑓</m:t>
                                     </m:r>
                                   </m:e>
                                   <m:sub>
                                     <m:r>
-                                      <a:rPr lang="en-US" altLang="ko-KR" sz="1000" b="0" smtClean="0"/>
+                                      <a:rPr lang="en-US" altLang="ko-KR" sz="1000" b="0" smtClean="0">
+                                        <a:latin typeface="Cambria Math" panose="02040503050406030204" pitchFamily="18" charset="0"/>
+                                      </a:rPr>
                                       <m:t>22</m:t>
                                     </m:r>
                                   </m:sub>
@@ -9023,18 +9188,24 @@
                                 <m:sSub>
                                   <m:sSubPr>
                                     <m:ctrlPr>
-                                      <a:rPr lang="en-US" altLang="ko-KR" sz="1000" b="0" smtClean="0"/>
+                                      <a:rPr lang="en-US" altLang="ko-KR" sz="1000" b="0" i="1" smtClean="0">
+                                        <a:latin typeface="Cambria Math" panose="02040503050406030204" pitchFamily="18" charset="0"/>
+                                      </a:rPr>
                                     </m:ctrlPr>
                                   </m:sSubPr>
                                   <m:e>
                                     <m:r>
-                                      <a:rPr lang="en-US" altLang="ko-KR" sz="1000" b="0" smtClean="0"/>
-                                      <m:t>𝑤</m:t>
+                                      <a:rPr lang="en-US" altLang="ko-KR" sz="1000" b="0" i="1" smtClean="0">
+                                        <a:latin typeface="Cambria Math" panose="02040503050406030204" pitchFamily="18" charset="0"/>
+                                      </a:rPr>
+                                      <m:t>𝑓</m:t>
                                     </m:r>
                                   </m:e>
                                   <m:sub>
                                     <m:r>
-                                      <a:rPr lang="en-US" altLang="ko-KR" sz="1000" b="0" smtClean="0"/>
+                                      <a:rPr lang="en-US" altLang="ko-KR" sz="1000" b="0" smtClean="0">
+                                        <a:latin typeface="Cambria Math" panose="02040503050406030204" pitchFamily="18" charset="0"/>
+                                      </a:rPr>
                                       <m:t>23</m:t>
                                     </m:r>
                                   </m:sub>
@@ -9195,18 +9366,24 @@
                                 <m:sSub>
                                   <m:sSubPr>
                                     <m:ctrlPr>
-                                      <a:rPr lang="en-US" altLang="ko-KR" sz="1000" b="0" smtClean="0"/>
+                                      <a:rPr lang="en-US" altLang="ko-KR" sz="1000" b="0" i="1" smtClean="0">
+                                        <a:latin typeface="Cambria Math" panose="02040503050406030204" pitchFamily="18" charset="0"/>
+                                      </a:rPr>
                                     </m:ctrlPr>
                                   </m:sSubPr>
                                   <m:e>
                                     <m:r>
-                                      <a:rPr lang="en-US" altLang="ko-KR" sz="1000" b="0" smtClean="0"/>
-                                      <m:t>𝑤</m:t>
+                                      <a:rPr lang="en-US" altLang="ko-KR" sz="1000" b="0" i="1" smtClean="0">
+                                        <a:latin typeface="Cambria Math" panose="02040503050406030204" pitchFamily="18" charset="0"/>
+                                      </a:rPr>
+                                      <m:t>𝑓</m:t>
                                     </m:r>
                                   </m:e>
                                   <m:sub>
                                     <m:r>
-                                      <a:rPr lang="en-US" altLang="ko-KR" sz="1000" b="0" smtClean="0"/>
+                                      <a:rPr lang="en-US" altLang="ko-KR" sz="1000" b="0" smtClean="0">
+                                        <a:latin typeface="Cambria Math" panose="02040503050406030204" pitchFamily="18" charset="0"/>
+                                      </a:rPr>
                                       <m:t>31</m:t>
                                     </m:r>
                                   </m:sub>
@@ -9287,18 +9464,24 @@
                                 <m:sSub>
                                   <m:sSubPr>
                                     <m:ctrlPr>
-                                      <a:rPr lang="en-US" altLang="ko-KR" sz="1000" b="0" smtClean="0"/>
+                                      <a:rPr lang="en-US" altLang="ko-KR" sz="1000" b="0" i="1" smtClean="0">
+                                        <a:latin typeface="Cambria Math" panose="02040503050406030204" pitchFamily="18" charset="0"/>
+                                      </a:rPr>
                                     </m:ctrlPr>
                                   </m:sSubPr>
                                   <m:e>
                                     <m:r>
-                                      <a:rPr lang="en-US" altLang="ko-KR" sz="1000" b="0" smtClean="0"/>
-                                      <m:t>𝑤</m:t>
+                                      <a:rPr lang="en-US" altLang="ko-KR" sz="1000" b="0" i="1" smtClean="0">
+                                        <a:latin typeface="Cambria Math" panose="02040503050406030204" pitchFamily="18" charset="0"/>
+                                      </a:rPr>
+                                      <m:t>𝑓</m:t>
                                     </m:r>
                                   </m:e>
                                   <m:sub>
                                     <m:r>
-                                      <a:rPr lang="en-US" altLang="ko-KR" sz="1000" b="0" smtClean="0"/>
+                                      <a:rPr lang="en-US" altLang="ko-KR" sz="1000" b="0" smtClean="0">
+                                        <a:latin typeface="Cambria Math" panose="02040503050406030204" pitchFamily="18" charset="0"/>
+                                      </a:rPr>
                                       <m:t>32</m:t>
                                     </m:r>
                                   </m:sub>
@@ -9379,18 +9562,24 @@
                                 <m:sSub>
                                   <m:sSubPr>
                                     <m:ctrlPr>
-                                      <a:rPr lang="en-US" altLang="ko-KR" sz="1000" b="0" smtClean="0"/>
+                                      <a:rPr lang="en-US" altLang="ko-KR" sz="1000" b="0" i="1" smtClean="0">
+                                        <a:latin typeface="Cambria Math" panose="02040503050406030204" pitchFamily="18" charset="0"/>
+                                      </a:rPr>
                                     </m:ctrlPr>
                                   </m:sSubPr>
                                   <m:e>
                                     <m:r>
-                                      <a:rPr lang="en-US" altLang="ko-KR" sz="1000" b="0" smtClean="0"/>
-                                      <m:t>𝑤</m:t>
+                                      <a:rPr lang="en-US" altLang="ko-KR" sz="1000" b="0" i="1" smtClean="0">
+                                        <a:latin typeface="Cambria Math" panose="02040503050406030204" pitchFamily="18" charset="0"/>
+                                      </a:rPr>
+                                      <m:t>𝑓</m:t>
                                     </m:r>
                                   </m:e>
                                   <m:sub>
                                     <m:r>
-                                      <a:rPr lang="en-US" altLang="ko-KR" sz="1000" b="0" smtClean="0"/>
+                                      <a:rPr lang="en-US" altLang="ko-KR" sz="1000" b="0" smtClean="0">
+                                        <a:latin typeface="Cambria Math" panose="02040503050406030204" pitchFamily="18" charset="0"/>
+                                      </a:rPr>
                                       <m:t>33</m:t>
                                     </m:r>
                                   </m:sub>
@@ -10029,7 +10218,7 @@
                         <a:lstStyle/>
                         <a:p>
                           <a:pPr algn="ctr" latinLnBrk="1"/>
-                          <a:endParaRPr lang="ko-KR" altLang="en-US" sz="1000"/>
+                          <a:endParaRPr lang="ko-KR" altLang="en-US" sz="1000" dirty="0"/>
                         </a:p>
                       </a:txBody>
                       <a:tcPr anchor="ctr">
@@ -10086,18 +10275,24 @@
                                 <m:sSub>
                                   <m:sSubPr>
                                     <m:ctrlPr>
-                                      <a:rPr lang="en-US" altLang="ko-KR" sz="1000" b="0" smtClean="0"/>
+                                      <a:rPr lang="en-US" altLang="ko-KR" sz="1000" b="0" i="1" smtClean="0">
+                                        <a:latin typeface="Cambria Math" panose="02040503050406030204" pitchFamily="18" charset="0"/>
+                                      </a:rPr>
                                     </m:ctrlPr>
                                   </m:sSubPr>
                                   <m:e>
                                     <m:r>
-                                      <a:rPr lang="en-US" altLang="ko-KR" sz="1000" b="0" smtClean="0"/>
-                                      <m:t>𝑤</m:t>
+                                      <a:rPr lang="en-US" altLang="ko-KR" sz="1000" b="0" i="1" smtClean="0">
+                                        <a:latin typeface="Cambria Math" panose="02040503050406030204" pitchFamily="18" charset="0"/>
+                                      </a:rPr>
+                                      <m:t>𝑓</m:t>
                                     </m:r>
                                   </m:e>
                                   <m:sub>
                                     <m:r>
-                                      <a:rPr lang="en-US" altLang="ko-KR" sz="1000" b="0" smtClean="0"/>
+                                      <a:rPr lang="en-US" altLang="ko-KR" sz="1000" b="0" smtClean="0">
+                                        <a:latin typeface="Cambria Math" panose="02040503050406030204" pitchFamily="18" charset="0"/>
+                                      </a:rPr>
                                       <m:t>11</m:t>
                                     </m:r>
                                   </m:sub>
@@ -10178,18 +10373,24 @@
                                 <m:sSub>
                                   <m:sSubPr>
                                     <m:ctrlPr>
-                                      <a:rPr lang="en-US" altLang="ko-KR" sz="1000" b="0" smtClean="0"/>
+                                      <a:rPr lang="en-US" altLang="ko-KR" sz="1000" b="0" i="1" smtClean="0">
+                                        <a:latin typeface="Cambria Math" panose="02040503050406030204" pitchFamily="18" charset="0"/>
+                                      </a:rPr>
                                     </m:ctrlPr>
                                   </m:sSubPr>
                                   <m:e>
                                     <m:r>
-                                      <a:rPr lang="en-US" altLang="ko-KR" sz="1000" b="0" smtClean="0"/>
-                                      <m:t>𝑤</m:t>
+                                      <a:rPr lang="en-US" altLang="ko-KR" sz="1000" b="0" i="1" smtClean="0">
+                                        <a:latin typeface="Cambria Math" panose="02040503050406030204" pitchFamily="18" charset="0"/>
+                                      </a:rPr>
+                                      <m:t>𝑓</m:t>
                                     </m:r>
                                   </m:e>
                                   <m:sub>
                                     <m:r>
-                                      <a:rPr lang="en-US" altLang="ko-KR" sz="1000" b="0" smtClean="0"/>
+                                      <a:rPr lang="en-US" altLang="ko-KR" sz="1000" b="0" smtClean="0">
+                                        <a:latin typeface="Cambria Math" panose="02040503050406030204" pitchFamily="18" charset="0"/>
+                                      </a:rPr>
                                       <m:t>12</m:t>
                                     </m:r>
                                   </m:sub>
@@ -10270,18 +10471,24 @@
                                 <m:sSub>
                                   <m:sSubPr>
                                     <m:ctrlPr>
-                                      <a:rPr lang="en-US" altLang="ko-KR" sz="1000" b="0" smtClean="0"/>
+                                      <a:rPr lang="en-US" altLang="ko-KR" sz="1000" b="0" i="1" smtClean="0">
+                                        <a:latin typeface="Cambria Math" panose="02040503050406030204" pitchFamily="18" charset="0"/>
+                                      </a:rPr>
                                     </m:ctrlPr>
                                   </m:sSubPr>
                                   <m:e>
                                     <m:r>
-                                      <a:rPr lang="en-US" altLang="ko-KR" sz="1000" b="0" smtClean="0"/>
-                                      <m:t>𝑤</m:t>
+                                      <a:rPr lang="en-US" altLang="ko-KR" sz="1000" b="0" i="1" smtClean="0">
+                                        <a:latin typeface="Cambria Math" panose="02040503050406030204" pitchFamily="18" charset="0"/>
+                                      </a:rPr>
+                                      <m:t>𝑓</m:t>
                                     </m:r>
                                   </m:e>
                                   <m:sub>
                                     <m:r>
-                                      <a:rPr lang="en-US" altLang="ko-KR" sz="1000" b="0" smtClean="0"/>
+                                      <a:rPr lang="en-US" altLang="ko-KR" sz="1000" b="0" smtClean="0">
+                                        <a:latin typeface="Cambria Math" panose="02040503050406030204" pitchFamily="18" charset="0"/>
+                                      </a:rPr>
                                       <m:t>13</m:t>
                                     </m:r>
                                   </m:sub>
@@ -10442,18 +10649,24 @@
                                 <m:sSub>
                                   <m:sSubPr>
                                     <m:ctrlPr>
-                                      <a:rPr lang="en-US" altLang="ko-KR" sz="1000" b="0" smtClean="0"/>
+                                      <a:rPr lang="en-US" altLang="ko-KR" sz="1000" b="0" i="1" smtClean="0">
+                                        <a:latin typeface="Cambria Math" panose="02040503050406030204" pitchFamily="18" charset="0"/>
+                                      </a:rPr>
                                     </m:ctrlPr>
                                   </m:sSubPr>
                                   <m:e>
                                     <m:r>
-                                      <a:rPr lang="en-US" altLang="ko-KR" sz="1000" b="0" smtClean="0"/>
-                                      <m:t>𝑤</m:t>
+                                      <a:rPr lang="en-US" altLang="ko-KR" sz="1000" b="0" i="1" smtClean="0">
+                                        <a:latin typeface="Cambria Math" panose="02040503050406030204" pitchFamily="18" charset="0"/>
+                                      </a:rPr>
+                                      <m:t>𝑓</m:t>
                                     </m:r>
                                   </m:e>
                                   <m:sub>
                                     <m:r>
-                                      <a:rPr lang="en-US" altLang="ko-KR" sz="1000" b="0" smtClean="0"/>
+                                      <a:rPr lang="en-US" altLang="ko-KR" sz="1000" b="0" smtClean="0">
+                                        <a:latin typeface="Cambria Math" panose="02040503050406030204" pitchFamily="18" charset="0"/>
+                                      </a:rPr>
                                       <m:t>21</m:t>
                                     </m:r>
                                   </m:sub>
@@ -10534,18 +10747,24 @@
                                 <m:sSub>
                                   <m:sSubPr>
                                     <m:ctrlPr>
-                                      <a:rPr lang="en-US" altLang="ko-KR" sz="1000" b="0" smtClean="0"/>
+                                      <a:rPr lang="en-US" altLang="ko-KR" sz="1000" b="0" i="1" smtClean="0">
+                                        <a:latin typeface="Cambria Math" panose="02040503050406030204" pitchFamily="18" charset="0"/>
+                                      </a:rPr>
                                     </m:ctrlPr>
                                   </m:sSubPr>
                                   <m:e>
                                     <m:r>
-                                      <a:rPr lang="en-US" altLang="ko-KR" sz="1000" b="0" smtClean="0"/>
-                                      <m:t>𝑤</m:t>
+                                      <a:rPr lang="en-US" altLang="ko-KR" sz="1000" b="0" i="1" smtClean="0">
+                                        <a:latin typeface="Cambria Math" panose="02040503050406030204" pitchFamily="18" charset="0"/>
+                                      </a:rPr>
+                                      <m:t>𝑓</m:t>
                                     </m:r>
                                   </m:e>
                                   <m:sub>
                                     <m:r>
-                                      <a:rPr lang="en-US" altLang="ko-KR" sz="1000" b="0" smtClean="0"/>
+                                      <a:rPr lang="en-US" altLang="ko-KR" sz="1000" b="0" smtClean="0">
+                                        <a:latin typeface="Cambria Math" panose="02040503050406030204" pitchFamily="18" charset="0"/>
+                                      </a:rPr>
                                       <m:t>22</m:t>
                                     </m:r>
                                   </m:sub>
@@ -10626,18 +10845,24 @@
                                 <m:sSub>
                                   <m:sSubPr>
                                     <m:ctrlPr>
-                                      <a:rPr lang="en-US" altLang="ko-KR" sz="1000" b="0" smtClean="0"/>
+                                      <a:rPr lang="en-US" altLang="ko-KR" sz="1000" b="0" i="1" smtClean="0">
+                                        <a:latin typeface="Cambria Math" panose="02040503050406030204" pitchFamily="18" charset="0"/>
+                                      </a:rPr>
                                     </m:ctrlPr>
                                   </m:sSubPr>
                                   <m:e>
                                     <m:r>
-                                      <a:rPr lang="en-US" altLang="ko-KR" sz="1000" b="0" smtClean="0"/>
-                                      <m:t>𝑤</m:t>
+                                      <a:rPr lang="en-US" altLang="ko-KR" sz="1000" b="0" i="1" smtClean="0">
+                                        <a:latin typeface="Cambria Math" panose="02040503050406030204" pitchFamily="18" charset="0"/>
+                                      </a:rPr>
+                                      <m:t>𝑓</m:t>
                                     </m:r>
                                   </m:e>
                                   <m:sub>
                                     <m:r>
-                                      <a:rPr lang="en-US" altLang="ko-KR" sz="1000" b="0" smtClean="0"/>
+                                      <a:rPr lang="en-US" altLang="ko-KR" sz="1000" b="0" smtClean="0">
+                                        <a:latin typeface="Cambria Math" panose="02040503050406030204" pitchFamily="18" charset="0"/>
+                                      </a:rPr>
                                       <m:t>23</m:t>
                                     </m:r>
                                   </m:sub>
@@ -10798,18 +11023,24 @@
                                 <m:sSub>
                                   <m:sSubPr>
                                     <m:ctrlPr>
-                                      <a:rPr lang="en-US" altLang="ko-KR" sz="1000" b="0" smtClean="0"/>
+                                      <a:rPr lang="en-US" altLang="ko-KR" sz="1000" b="0" i="1" smtClean="0">
+                                        <a:latin typeface="Cambria Math" panose="02040503050406030204" pitchFamily="18" charset="0"/>
+                                      </a:rPr>
                                     </m:ctrlPr>
                                   </m:sSubPr>
                                   <m:e>
                                     <m:r>
-                                      <a:rPr lang="en-US" altLang="ko-KR" sz="1000" b="0" smtClean="0"/>
-                                      <m:t>𝑤</m:t>
+                                      <a:rPr lang="en-US" altLang="ko-KR" sz="1000" b="0" i="1" smtClean="0">
+                                        <a:latin typeface="Cambria Math" panose="02040503050406030204" pitchFamily="18" charset="0"/>
+                                      </a:rPr>
+                                      <m:t>𝑓</m:t>
                                     </m:r>
                                   </m:e>
                                   <m:sub>
                                     <m:r>
-                                      <a:rPr lang="en-US" altLang="ko-KR" sz="1000" b="0" smtClean="0"/>
+                                      <a:rPr lang="en-US" altLang="ko-KR" sz="1000" b="0" smtClean="0">
+                                        <a:latin typeface="Cambria Math" panose="02040503050406030204" pitchFamily="18" charset="0"/>
+                                      </a:rPr>
                                       <m:t>31</m:t>
                                     </m:r>
                                   </m:sub>
@@ -10890,18 +11121,24 @@
                                 <m:sSub>
                                   <m:sSubPr>
                                     <m:ctrlPr>
-                                      <a:rPr lang="en-US" altLang="ko-KR" sz="1000" b="0" smtClean="0"/>
+                                      <a:rPr lang="en-US" altLang="ko-KR" sz="1000" b="0" i="1" smtClean="0">
+                                        <a:latin typeface="Cambria Math" panose="02040503050406030204" pitchFamily="18" charset="0"/>
+                                      </a:rPr>
                                     </m:ctrlPr>
                                   </m:sSubPr>
                                   <m:e>
                                     <m:r>
-                                      <a:rPr lang="en-US" altLang="ko-KR" sz="1000" b="0" smtClean="0"/>
-                                      <m:t>𝑤</m:t>
+                                      <a:rPr lang="en-US" altLang="ko-KR" sz="1000" b="0" i="1" smtClean="0">
+                                        <a:latin typeface="Cambria Math" panose="02040503050406030204" pitchFamily="18" charset="0"/>
+                                      </a:rPr>
+                                      <m:t>𝑓</m:t>
                                     </m:r>
                                   </m:e>
                                   <m:sub>
                                     <m:r>
-                                      <a:rPr lang="en-US" altLang="ko-KR" sz="1000" b="0" smtClean="0"/>
+                                      <a:rPr lang="en-US" altLang="ko-KR" sz="1000" b="0" smtClean="0">
+                                        <a:latin typeface="Cambria Math" panose="02040503050406030204" pitchFamily="18" charset="0"/>
+                                      </a:rPr>
                                       <m:t>32</m:t>
                                     </m:r>
                                   </m:sub>
@@ -10982,18 +11219,24 @@
                                 <m:sSub>
                                   <m:sSubPr>
                                     <m:ctrlPr>
-                                      <a:rPr lang="en-US" altLang="ko-KR" sz="1000" b="0" smtClean="0"/>
+                                      <a:rPr lang="en-US" altLang="ko-KR" sz="1000" b="0" i="1" smtClean="0">
+                                        <a:latin typeface="Cambria Math" panose="02040503050406030204" pitchFamily="18" charset="0"/>
+                                      </a:rPr>
                                     </m:ctrlPr>
                                   </m:sSubPr>
                                   <m:e>
                                     <m:r>
-                                      <a:rPr lang="en-US" altLang="ko-KR" sz="1000" b="0" smtClean="0"/>
-                                      <m:t>𝑤</m:t>
+                                      <a:rPr lang="en-US" altLang="ko-KR" sz="1000" b="0" i="1" smtClean="0">
+                                        <a:latin typeface="Cambria Math" panose="02040503050406030204" pitchFamily="18" charset="0"/>
+                                      </a:rPr>
+                                      <m:t>𝑓</m:t>
                                     </m:r>
                                   </m:e>
                                   <m:sub>
                                     <m:r>
-                                      <a:rPr lang="en-US" altLang="ko-KR" sz="1000" b="0" smtClean="0"/>
+                                      <a:rPr lang="en-US" altLang="ko-KR" sz="1000" b="0" smtClean="0">
+                                        <a:latin typeface="Cambria Math" panose="02040503050406030204" pitchFamily="18" charset="0"/>
+                                      </a:rPr>
                                       <m:t>33</m:t>
                                     </m:r>
                                   </m:sub>
@@ -11632,7 +11875,7 @@
                         <a:lstStyle/>
                         <a:p>
                           <a:pPr algn="ctr" latinLnBrk="1"/>
-                          <a:endParaRPr lang="ko-KR" altLang="en-US" sz="1000"/>
+                          <a:endParaRPr lang="ko-KR" altLang="en-US" sz="1000" dirty="0"/>
                         </a:p>
                       </a:txBody>
                       <a:tcPr anchor="ctr">
@@ -11689,18 +11932,24 @@
                                 <m:sSub>
                                   <m:sSubPr>
                                     <m:ctrlPr>
-                                      <a:rPr lang="en-US" altLang="ko-KR" sz="1000" b="0" smtClean="0"/>
+                                      <a:rPr lang="en-US" altLang="ko-KR" sz="1000" b="0" i="1" smtClean="0">
+                                        <a:latin typeface="Cambria Math" panose="02040503050406030204" pitchFamily="18" charset="0"/>
+                                      </a:rPr>
                                     </m:ctrlPr>
                                   </m:sSubPr>
                                   <m:e>
                                     <m:r>
-                                      <a:rPr lang="en-US" altLang="ko-KR" sz="1000" b="0" smtClean="0"/>
-                                      <m:t>𝑤</m:t>
+                                      <a:rPr lang="en-US" altLang="ko-KR" sz="1000" b="0" i="1" smtClean="0">
+                                        <a:latin typeface="Cambria Math" panose="02040503050406030204" pitchFamily="18" charset="0"/>
+                                      </a:rPr>
+                                      <m:t>𝑓</m:t>
                                     </m:r>
                                   </m:e>
                                   <m:sub>
                                     <m:r>
-                                      <a:rPr lang="en-US" altLang="ko-KR" sz="1000" b="0" smtClean="0"/>
+                                      <a:rPr lang="en-US" altLang="ko-KR" sz="1000" b="0" smtClean="0">
+                                        <a:latin typeface="Cambria Math" panose="02040503050406030204" pitchFamily="18" charset="0"/>
+                                      </a:rPr>
                                       <m:t>11</m:t>
                                     </m:r>
                                   </m:sub>
@@ -11781,18 +12030,24 @@
                                 <m:sSub>
                                   <m:sSubPr>
                                     <m:ctrlPr>
-                                      <a:rPr lang="en-US" altLang="ko-KR" sz="1000" b="0" smtClean="0"/>
+                                      <a:rPr lang="en-US" altLang="ko-KR" sz="1000" b="0" i="1" smtClean="0">
+                                        <a:latin typeface="Cambria Math" panose="02040503050406030204" pitchFamily="18" charset="0"/>
+                                      </a:rPr>
                                     </m:ctrlPr>
                                   </m:sSubPr>
                                   <m:e>
                                     <m:r>
-                                      <a:rPr lang="en-US" altLang="ko-KR" sz="1000" b="0" smtClean="0"/>
-                                      <m:t>𝑤</m:t>
+                                      <a:rPr lang="en-US" altLang="ko-KR" sz="1000" b="0" i="1" smtClean="0">
+                                        <a:latin typeface="Cambria Math" panose="02040503050406030204" pitchFamily="18" charset="0"/>
+                                      </a:rPr>
+                                      <m:t>𝑓</m:t>
                                     </m:r>
                                   </m:e>
                                   <m:sub>
                                     <m:r>
-                                      <a:rPr lang="en-US" altLang="ko-KR" sz="1000" b="0" smtClean="0"/>
+                                      <a:rPr lang="en-US" altLang="ko-KR" sz="1000" b="0" smtClean="0">
+                                        <a:latin typeface="Cambria Math" panose="02040503050406030204" pitchFamily="18" charset="0"/>
+                                      </a:rPr>
                                       <m:t>12</m:t>
                                     </m:r>
                                   </m:sub>
@@ -11873,18 +12128,24 @@
                                 <m:sSub>
                                   <m:sSubPr>
                                     <m:ctrlPr>
-                                      <a:rPr lang="en-US" altLang="ko-KR" sz="1000" b="0" smtClean="0"/>
+                                      <a:rPr lang="en-US" altLang="ko-KR" sz="1000" b="0" i="1" smtClean="0">
+                                        <a:latin typeface="Cambria Math" panose="02040503050406030204" pitchFamily="18" charset="0"/>
+                                      </a:rPr>
                                     </m:ctrlPr>
                                   </m:sSubPr>
                                   <m:e>
                                     <m:r>
-                                      <a:rPr lang="en-US" altLang="ko-KR" sz="1000" b="0" smtClean="0"/>
-                                      <m:t>𝑤</m:t>
+                                      <a:rPr lang="en-US" altLang="ko-KR" sz="1000" b="0" i="1" smtClean="0">
+                                        <a:latin typeface="Cambria Math" panose="02040503050406030204" pitchFamily="18" charset="0"/>
+                                      </a:rPr>
+                                      <m:t>𝑓</m:t>
                                     </m:r>
                                   </m:e>
                                   <m:sub>
                                     <m:r>
-                                      <a:rPr lang="en-US" altLang="ko-KR" sz="1000" b="0" smtClean="0"/>
+                                      <a:rPr lang="en-US" altLang="ko-KR" sz="1000" b="0" smtClean="0">
+                                        <a:latin typeface="Cambria Math" panose="02040503050406030204" pitchFamily="18" charset="0"/>
+                                      </a:rPr>
                                       <m:t>13</m:t>
                                     </m:r>
                                   </m:sub>
@@ -12045,18 +12306,24 @@
                                 <m:sSub>
                                   <m:sSubPr>
                                     <m:ctrlPr>
-                                      <a:rPr lang="en-US" altLang="ko-KR" sz="1000" b="0" smtClean="0"/>
+                                      <a:rPr lang="en-US" altLang="ko-KR" sz="1000" b="0" i="1" smtClean="0">
+                                        <a:latin typeface="Cambria Math" panose="02040503050406030204" pitchFamily="18" charset="0"/>
+                                      </a:rPr>
                                     </m:ctrlPr>
                                   </m:sSubPr>
                                   <m:e>
                                     <m:r>
-                                      <a:rPr lang="en-US" altLang="ko-KR" sz="1000" b="0" smtClean="0"/>
-                                      <m:t>𝑤</m:t>
+                                      <a:rPr lang="en-US" altLang="ko-KR" sz="1000" b="0" i="1" smtClean="0">
+                                        <a:latin typeface="Cambria Math" panose="02040503050406030204" pitchFamily="18" charset="0"/>
+                                      </a:rPr>
+                                      <m:t>𝑓</m:t>
                                     </m:r>
                                   </m:e>
                                   <m:sub>
                                     <m:r>
-                                      <a:rPr lang="en-US" altLang="ko-KR" sz="1000" b="0" smtClean="0"/>
+                                      <a:rPr lang="en-US" altLang="ko-KR" sz="1000" b="0" smtClean="0">
+                                        <a:latin typeface="Cambria Math" panose="02040503050406030204" pitchFamily="18" charset="0"/>
+                                      </a:rPr>
                                       <m:t>21</m:t>
                                     </m:r>
                                   </m:sub>
@@ -12137,18 +12404,24 @@
                                 <m:sSub>
                                   <m:sSubPr>
                                     <m:ctrlPr>
-                                      <a:rPr lang="en-US" altLang="ko-KR" sz="1000" b="0" smtClean="0"/>
+                                      <a:rPr lang="en-US" altLang="ko-KR" sz="1000" b="0" i="1" smtClean="0">
+                                        <a:latin typeface="Cambria Math" panose="02040503050406030204" pitchFamily="18" charset="0"/>
+                                      </a:rPr>
                                     </m:ctrlPr>
                                   </m:sSubPr>
                                   <m:e>
                                     <m:r>
-                                      <a:rPr lang="en-US" altLang="ko-KR" sz="1000" b="0" smtClean="0"/>
-                                      <m:t>𝑤</m:t>
+                                      <a:rPr lang="en-US" altLang="ko-KR" sz="1000" b="0" i="1" smtClean="0">
+                                        <a:latin typeface="Cambria Math" panose="02040503050406030204" pitchFamily="18" charset="0"/>
+                                      </a:rPr>
+                                      <m:t>𝑓</m:t>
                                     </m:r>
                                   </m:e>
                                   <m:sub>
                                     <m:r>
-                                      <a:rPr lang="en-US" altLang="ko-KR" sz="1000" b="0" smtClean="0"/>
+                                      <a:rPr lang="en-US" altLang="ko-KR" sz="1000" b="0" smtClean="0">
+                                        <a:latin typeface="Cambria Math" panose="02040503050406030204" pitchFamily="18" charset="0"/>
+                                      </a:rPr>
                                       <m:t>22</m:t>
                                     </m:r>
                                   </m:sub>
@@ -12229,18 +12502,24 @@
                                 <m:sSub>
                                   <m:sSubPr>
                                     <m:ctrlPr>
-                                      <a:rPr lang="en-US" altLang="ko-KR" sz="1000" b="0" smtClean="0"/>
+                                      <a:rPr lang="en-US" altLang="ko-KR" sz="1000" b="0" i="1" smtClean="0">
+                                        <a:latin typeface="Cambria Math" panose="02040503050406030204" pitchFamily="18" charset="0"/>
+                                      </a:rPr>
                                     </m:ctrlPr>
                                   </m:sSubPr>
                                   <m:e>
                                     <m:r>
-                                      <a:rPr lang="en-US" altLang="ko-KR" sz="1000" b="0" smtClean="0"/>
-                                      <m:t>𝑤</m:t>
+                                      <a:rPr lang="en-US" altLang="ko-KR" sz="1000" b="0" i="1" smtClean="0">
+                                        <a:latin typeface="Cambria Math" panose="02040503050406030204" pitchFamily="18" charset="0"/>
+                                      </a:rPr>
+                                      <m:t>𝑓</m:t>
                                     </m:r>
                                   </m:e>
                                   <m:sub>
                                     <m:r>
-                                      <a:rPr lang="en-US" altLang="ko-KR" sz="1000" b="0" smtClean="0"/>
+                                      <a:rPr lang="en-US" altLang="ko-KR" sz="1000" b="0" smtClean="0">
+                                        <a:latin typeface="Cambria Math" panose="02040503050406030204" pitchFamily="18" charset="0"/>
+                                      </a:rPr>
                                       <m:t>23</m:t>
                                     </m:r>
                                   </m:sub>
@@ -12401,18 +12680,24 @@
                                 <m:sSub>
                                   <m:sSubPr>
                                     <m:ctrlPr>
-                                      <a:rPr lang="en-US" altLang="ko-KR" sz="1000" b="0" smtClean="0"/>
+                                      <a:rPr lang="en-US" altLang="ko-KR" sz="1000" b="0" i="1" smtClean="0">
+                                        <a:latin typeface="Cambria Math" panose="02040503050406030204" pitchFamily="18" charset="0"/>
+                                      </a:rPr>
                                     </m:ctrlPr>
                                   </m:sSubPr>
                                   <m:e>
                                     <m:r>
-                                      <a:rPr lang="en-US" altLang="ko-KR" sz="1000" b="0" smtClean="0"/>
-                                      <m:t>𝑤</m:t>
+                                      <a:rPr lang="en-US" altLang="ko-KR" sz="1000" b="0" i="1" smtClean="0">
+                                        <a:latin typeface="Cambria Math" panose="02040503050406030204" pitchFamily="18" charset="0"/>
+                                      </a:rPr>
+                                      <m:t>𝑓</m:t>
                                     </m:r>
                                   </m:e>
                                   <m:sub>
                                     <m:r>
-                                      <a:rPr lang="en-US" altLang="ko-KR" sz="1000" b="0" smtClean="0"/>
+                                      <a:rPr lang="en-US" altLang="ko-KR" sz="1000" b="0" smtClean="0">
+                                        <a:latin typeface="Cambria Math" panose="02040503050406030204" pitchFamily="18" charset="0"/>
+                                      </a:rPr>
                                       <m:t>31</m:t>
                                     </m:r>
                                   </m:sub>
@@ -12493,18 +12778,24 @@
                                 <m:sSub>
                                   <m:sSubPr>
                                     <m:ctrlPr>
-                                      <a:rPr lang="en-US" altLang="ko-KR" sz="1000" b="0" smtClean="0"/>
+                                      <a:rPr lang="en-US" altLang="ko-KR" sz="1000" b="0" i="1" smtClean="0">
+                                        <a:latin typeface="Cambria Math" panose="02040503050406030204" pitchFamily="18" charset="0"/>
+                                      </a:rPr>
                                     </m:ctrlPr>
                                   </m:sSubPr>
                                   <m:e>
                                     <m:r>
-                                      <a:rPr lang="en-US" altLang="ko-KR" sz="1000" b="0" smtClean="0"/>
-                                      <m:t>𝑤</m:t>
+                                      <a:rPr lang="en-US" altLang="ko-KR" sz="1000" b="0" i="1" smtClean="0">
+                                        <a:latin typeface="Cambria Math" panose="02040503050406030204" pitchFamily="18" charset="0"/>
+                                      </a:rPr>
+                                      <m:t>𝑓</m:t>
                                     </m:r>
                                   </m:e>
                                   <m:sub>
                                     <m:r>
-                                      <a:rPr lang="en-US" altLang="ko-KR" sz="1000" b="0" smtClean="0"/>
+                                      <a:rPr lang="en-US" altLang="ko-KR" sz="1000" b="0" smtClean="0">
+                                        <a:latin typeface="Cambria Math" panose="02040503050406030204" pitchFamily="18" charset="0"/>
+                                      </a:rPr>
                                       <m:t>32</m:t>
                                     </m:r>
                                   </m:sub>
@@ -12585,18 +12876,24 @@
                                 <m:sSub>
                                   <m:sSubPr>
                                     <m:ctrlPr>
-                                      <a:rPr lang="en-US" altLang="ko-KR" sz="1000" b="0" smtClean="0"/>
+                                      <a:rPr lang="en-US" altLang="ko-KR" sz="1000" b="0" i="1" smtClean="0">
+                                        <a:latin typeface="Cambria Math" panose="02040503050406030204" pitchFamily="18" charset="0"/>
+                                      </a:rPr>
                                     </m:ctrlPr>
                                   </m:sSubPr>
                                   <m:e>
                                     <m:r>
-                                      <a:rPr lang="en-US" altLang="ko-KR" sz="1000" b="0" smtClean="0"/>
-                                      <m:t>𝑤</m:t>
+                                      <a:rPr lang="en-US" altLang="ko-KR" sz="1000" b="0" i="1" smtClean="0">
+                                        <a:latin typeface="Cambria Math" panose="02040503050406030204" pitchFamily="18" charset="0"/>
+                                      </a:rPr>
+                                      <m:t>𝑓</m:t>
                                     </m:r>
                                   </m:e>
                                   <m:sub>
                                     <m:r>
-                                      <a:rPr lang="en-US" altLang="ko-KR" sz="1000" b="0" smtClean="0"/>
+                                      <a:rPr lang="en-US" altLang="ko-KR" sz="1000" b="0" smtClean="0">
+                                        <a:latin typeface="Cambria Math" panose="02040503050406030204" pitchFamily="18" charset="0"/>
+                                      </a:rPr>
                                       <m:t>33</m:t>
                                     </m:r>
                                   </m:sub>
@@ -13235,7 +13532,7 @@
                         <a:lstStyle/>
                         <a:p>
                           <a:pPr algn="ctr" latinLnBrk="1"/>
-                          <a:endParaRPr lang="ko-KR" altLang="en-US" sz="1000"/>
+                          <a:endParaRPr lang="ko-KR" altLang="en-US" sz="1000" dirty="0"/>
                         </a:p>
                       </a:txBody>
                       <a:tcPr anchor="ctr">
@@ -13283,7 +13580,7 @@
                         <a:lstStyle/>
                         <a:p>
                           <a:pPr algn="ctr" latinLnBrk="1"/>
-                          <a:endParaRPr lang="ko-KR" altLang="en-US" sz="1000"/>
+                          <a:endParaRPr lang="ko-KR" altLang="en-US" sz="1000" dirty="0"/>
                         </a:p>
                       </a:txBody>
                       <a:tcPr anchor="ctr">
@@ -13331,7 +13628,7 @@
                         <a:lstStyle/>
                         <a:p>
                           <a:pPr algn="ctr" latinLnBrk="1"/>
-                          <a:endParaRPr lang="ko-KR" altLang="en-US" sz="1000"/>
+                          <a:endParaRPr lang="ko-KR" altLang="en-US" sz="1000" dirty="0"/>
                         </a:p>
                       </a:txBody>
                       <a:tcPr anchor="ctr">
@@ -13388,18 +13685,24 @@
                                 <m:sSub>
                                   <m:sSubPr>
                                     <m:ctrlPr>
-                                      <a:rPr lang="en-US" altLang="ko-KR" sz="1000" b="0" smtClean="0"/>
+                                      <a:rPr lang="en-US" altLang="ko-KR" sz="1000" b="0" i="1" smtClean="0">
+                                        <a:latin typeface="Cambria Math" panose="02040503050406030204" pitchFamily="18" charset="0"/>
+                                      </a:rPr>
                                     </m:ctrlPr>
                                   </m:sSubPr>
                                   <m:e>
                                     <m:r>
-                                      <a:rPr lang="en-US" altLang="ko-KR" sz="1000" b="0" smtClean="0"/>
-                                      <m:t>𝑤</m:t>
+                                      <a:rPr lang="en-US" altLang="ko-KR" sz="1000" b="0" i="1" smtClean="0">
+                                        <a:latin typeface="Cambria Math" panose="02040503050406030204" pitchFamily="18" charset="0"/>
+                                      </a:rPr>
+                                      <m:t>𝑓</m:t>
                                     </m:r>
                                   </m:e>
                                   <m:sub>
                                     <m:r>
-                                      <a:rPr lang="en-US" altLang="ko-KR" sz="1000" b="0" smtClean="0"/>
+                                      <a:rPr lang="en-US" altLang="ko-KR" sz="1000" b="0" smtClean="0">
+                                        <a:latin typeface="Cambria Math" panose="02040503050406030204" pitchFamily="18" charset="0"/>
+                                      </a:rPr>
                                       <m:t>11</m:t>
                                     </m:r>
                                   </m:sub>
@@ -13480,18 +13783,24 @@
                                 <m:sSub>
                                   <m:sSubPr>
                                     <m:ctrlPr>
-                                      <a:rPr lang="en-US" altLang="ko-KR" sz="1000" b="0" smtClean="0"/>
+                                      <a:rPr lang="en-US" altLang="ko-KR" sz="1000" b="0" i="1" smtClean="0">
+                                        <a:latin typeface="Cambria Math" panose="02040503050406030204" pitchFamily="18" charset="0"/>
+                                      </a:rPr>
                                     </m:ctrlPr>
                                   </m:sSubPr>
                                   <m:e>
                                     <m:r>
-                                      <a:rPr lang="en-US" altLang="ko-KR" sz="1000" b="0" smtClean="0"/>
-                                      <m:t>𝑤</m:t>
+                                      <a:rPr lang="en-US" altLang="ko-KR" sz="1000" b="0" i="1" smtClean="0">
+                                        <a:latin typeface="Cambria Math" panose="02040503050406030204" pitchFamily="18" charset="0"/>
+                                      </a:rPr>
+                                      <m:t>𝑓</m:t>
                                     </m:r>
                                   </m:e>
                                   <m:sub>
                                     <m:r>
-                                      <a:rPr lang="en-US" altLang="ko-KR" sz="1000" b="0" smtClean="0"/>
+                                      <a:rPr lang="en-US" altLang="ko-KR" sz="1000" b="0" smtClean="0">
+                                        <a:latin typeface="Cambria Math" panose="02040503050406030204" pitchFamily="18" charset="0"/>
+                                      </a:rPr>
                                       <m:t>12</m:t>
                                     </m:r>
                                   </m:sub>
@@ -13572,18 +13881,24 @@
                                 <m:sSub>
                                   <m:sSubPr>
                                     <m:ctrlPr>
-                                      <a:rPr lang="en-US" altLang="ko-KR" sz="1000" b="0" smtClean="0"/>
+                                      <a:rPr lang="en-US" altLang="ko-KR" sz="1000" b="0" i="1" smtClean="0">
+                                        <a:latin typeface="Cambria Math" panose="02040503050406030204" pitchFamily="18" charset="0"/>
+                                      </a:rPr>
                                     </m:ctrlPr>
                                   </m:sSubPr>
                                   <m:e>
                                     <m:r>
-                                      <a:rPr lang="en-US" altLang="ko-KR" sz="1000" b="0" smtClean="0"/>
-                                      <m:t>𝑤</m:t>
+                                      <a:rPr lang="en-US" altLang="ko-KR" sz="1000" b="0" i="1" smtClean="0">
+                                        <a:latin typeface="Cambria Math" panose="02040503050406030204" pitchFamily="18" charset="0"/>
+                                      </a:rPr>
+                                      <m:t>𝑓</m:t>
                                     </m:r>
                                   </m:e>
                                   <m:sub>
                                     <m:r>
-                                      <a:rPr lang="en-US" altLang="ko-KR" sz="1000" b="0" smtClean="0"/>
+                                      <a:rPr lang="en-US" altLang="ko-KR" sz="1000" b="0" smtClean="0">
+                                        <a:latin typeface="Cambria Math" panose="02040503050406030204" pitchFamily="18" charset="0"/>
+                                      </a:rPr>
                                       <m:t>13</m:t>
                                     </m:r>
                                   </m:sub>
@@ -13744,18 +14059,24 @@
                                 <m:sSub>
                                   <m:sSubPr>
                                     <m:ctrlPr>
-                                      <a:rPr lang="en-US" altLang="ko-KR" sz="1000" b="0" smtClean="0"/>
+                                      <a:rPr lang="en-US" altLang="ko-KR" sz="1000" b="0" i="1" smtClean="0">
+                                        <a:latin typeface="Cambria Math" panose="02040503050406030204" pitchFamily="18" charset="0"/>
+                                      </a:rPr>
                                     </m:ctrlPr>
                                   </m:sSubPr>
                                   <m:e>
                                     <m:r>
-                                      <a:rPr lang="en-US" altLang="ko-KR" sz="1000" b="0" smtClean="0"/>
-                                      <m:t>𝑤</m:t>
+                                      <a:rPr lang="en-US" altLang="ko-KR" sz="1000" b="0" i="1" smtClean="0">
+                                        <a:latin typeface="Cambria Math" panose="02040503050406030204" pitchFamily="18" charset="0"/>
+                                      </a:rPr>
+                                      <m:t>𝑓</m:t>
                                     </m:r>
                                   </m:e>
                                   <m:sub>
                                     <m:r>
-                                      <a:rPr lang="en-US" altLang="ko-KR" sz="1000" b="0" smtClean="0"/>
+                                      <a:rPr lang="en-US" altLang="ko-KR" sz="1000" b="0" smtClean="0">
+                                        <a:latin typeface="Cambria Math" panose="02040503050406030204" pitchFamily="18" charset="0"/>
+                                      </a:rPr>
                                       <m:t>21</m:t>
                                     </m:r>
                                   </m:sub>
@@ -13836,18 +14157,24 @@
                                 <m:sSub>
                                   <m:sSubPr>
                                     <m:ctrlPr>
-                                      <a:rPr lang="en-US" altLang="ko-KR" sz="1000" b="0" smtClean="0"/>
+                                      <a:rPr lang="en-US" altLang="ko-KR" sz="1000" b="0" i="1" smtClean="0">
+                                        <a:latin typeface="Cambria Math" panose="02040503050406030204" pitchFamily="18" charset="0"/>
+                                      </a:rPr>
                                     </m:ctrlPr>
                                   </m:sSubPr>
                                   <m:e>
                                     <m:r>
-                                      <a:rPr lang="en-US" altLang="ko-KR" sz="1000" b="0" smtClean="0"/>
-                                      <m:t>𝑤</m:t>
+                                      <a:rPr lang="en-US" altLang="ko-KR" sz="1000" b="0" i="1" smtClean="0">
+                                        <a:latin typeface="Cambria Math" panose="02040503050406030204" pitchFamily="18" charset="0"/>
+                                      </a:rPr>
+                                      <m:t>𝑓</m:t>
                                     </m:r>
                                   </m:e>
                                   <m:sub>
                                     <m:r>
-                                      <a:rPr lang="en-US" altLang="ko-KR" sz="1000" b="0" smtClean="0"/>
+                                      <a:rPr lang="en-US" altLang="ko-KR" sz="1000" b="0" smtClean="0">
+                                        <a:latin typeface="Cambria Math" panose="02040503050406030204" pitchFamily="18" charset="0"/>
+                                      </a:rPr>
                                       <m:t>22</m:t>
                                     </m:r>
                                   </m:sub>
@@ -13928,18 +14255,24 @@
                                 <m:sSub>
                                   <m:sSubPr>
                                     <m:ctrlPr>
-                                      <a:rPr lang="en-US" altLang="ko-KR" sz="1000" b="0" smtClean="0"/>
+                                      <a:rPr lang="en-US" altLang="ko-KR" sz="1000" b="0" i="1" smtClean="0">
+                                        <a:latin typeface="Cambria Math" panose="02040503050406030204" pitchFamily="18" charset="0"/>
+                                      </a:rPr>
                                     </m:ctrlPr>
                                   </m:sSubPr>
                                   <m:e>
                                     <m:r>
-                                      <a:rPr lang="en-US" altLang="ko-KR" sz="1000" b="0" smtClean="0"/>
-                                      <m:t>𝑤</m:t>
+                                      <a:rPr lang="en-US" altLang="ko-KR" sz="1000" b="0" i="1" smtClean="0">
+                                        <a:latin typeface="Cambria Math" panose="02040503050406030204" pitchFamily="18" charset="0"/>
+                                      </a:rPr>
+                                      <m:t>𝑓</m:t>
                                     </m:r>
                                   </m:e>
                                   <m:sub>
                                     <m:r>
-                                      <a:rPr lang="en-US" altLang="ko-KR" sz="1000" b="0" smtClean="0"/>
+                                      <a:rPr lang="en-US" altLang="ko-KR" sz="1000" b="0" smtClean="0">
+                                        <a:latin typeface="Cambria Math" panose="02040503050406030204" pitchFamily="18" charset="0"/>
+                                      </a:rPr>
                                       <m:t>23</m:t>
                                     </m:r>
                                   </m:sub>
@@ -14100,18 +14433,24 @@
                                 <m:sSub>
                                   <m:sSubPr>
                                     <m:ctrlPr>
-                                      <a:rPr lang="en-US" altLang="ko-KR" sz="1000" b="0" smtClean="0"/>
+                                      <a:rPr lang="en-US" altLang="ko-KR" sz="1000" b="0" i="1" smtClean="0">
+                                        <a:latin typeface="Cambria Math" panose="02040503050406030204" pitchFamily="18" charset="0"/>
+                                      </a:rPr>
                                     </m:ctrlPr>
                                   </m:sSubPr>
                                   <m:e>
                                     <m:r>
-                                      <a:rPr lang="en-US" altLang="ko-KR" sz="1000" b="0" smtClean="0"/>
-                                      <m:t>𝑤</m:t>
+                                      <a:rPr lang="en-US" altLang="ko-KR" sz="1000" b="0" i="1" smtClean="0">
+                                        <a:latin typeface="Cambria Math" panose="02040503050406030204" pitchFamily="18" charset="0"/>
+                                      </a:rPr>
+                                      <m:t>𝑓</m:t>
                                     </m:r>
                                   </m:e>
                                   <m:sub>
                                     <m:r>
-                                      <a:rPr lang="en-US" altLang="ko-KR" sz="1000" b="0" smtClean="0"/>
+                                      <a:rPr lang="en-US" altLang="ko-KR" sz="1000" b="0" smtClean="0">
+                                        <a:latin typeface="Cambria Math" panose="02040503050406030204" pitchFamily="18" charset="0"/>
+                                      </a:rPr>
                                       <m:t>31</m:t>
                                     </m:r>
                                   </m:sub>
@@ -14192,18 +14531,24 @@
                                 <m:sSub>
                                   <m:sSubPr>
                                     <m:ctrlPr>
-                                      <a:rPr lang="en-US" altLang="ko-KR" sz="1000" b="0" smtClean="0"/>
+                                      <a:rPr lang="en-US" altLang="ko-KR" sz="1000" b="0" i="1" smtClean="0">
+                                        <a:latin typeface="Cambria Math" panose="02040503050406030204" pitchFamily="18" charset="0"/>
+                                      </a:rPr>
                                     </m:ctrlPr>
                                   </m:sSubPr>
                                   <m:e>
                                     <m:r>
-                                      <a:rPr lang="en-US" altLang="ko-KR" sz="1000" b="0" smtClean="0"/>
-                                      <m:t>𝑤</m:t>
+                                      <a:rPr lang="en-US" altLang="ko-KR" sz="1000" b="0" i="1" smtClean="0">
+                                        <a:latin typeface="Cambria Math" panose="02040503050406030204" pitchFamily="18" charset="0"/>
+                                      </a:rPr>
+                                      <m:t>𝑓</m:t>
                                     </m:r>
                                   </m:e>
                                   <m:sub>
                                     <m:r>
-                                      <a:rPr lang="en-US" altLang="ko-KR" sz="1000" b="0" smtClean="0"/>
+                                      <a:rPr lang="en-US" altLang="ko-KR" sz="1000" b="0" smtClean="0">
+                                        <a:latin typeface="Cambria Math" panose="02040503050406030204" pitchFamily="18" charset="0"/>
+                                      </a:rPr>
                                       <m:t>32</m:t>
                                     </m:r>
                                   </m:sub>
@@ -14284,18 +14629,24 @@
                                 <m:sSub>
                                   <m:sSubPr>
                                     <m:ctrlPr>
-                                      <a:rPr lang="en-US" altLang="ko-KR" sz="1000" b="0" smtClean="0"/>
+                                      <a:rPr lang="en-US" altLang="ko-KR" sz="1000" b="0" i="1" smtClean="0">
+                                        <a:latin typeface="Cambria Math" panose="02040503050406030204" pitchFamily="18" charset="0"/>
+                                      </a:rPr>
                                     </m:ctrlPr>
                                   </m:sSubPr>
                                   <m:e>
                                     <m:r>
-                                      <a:rPr lang="en-US" altLang="ko-KR" sz="1000" b="0" smtClean="0"/>
-                                      <m:t>𝑤</m:t>
+                                      <a:rPr lang="en-US" altLang="ko-KR" sz="1000" b="0" i="1" smtClean="0">
+                                        <a:latin typeface="Cambria Math" panose="02040503050406030204" pitchFamily="18" charset="0"/>
+                                      </a:rPr>
+                                      <m:t>𝑓</m:t>
                                     </m:r>
                                   </m:e>
                                   <m:sub>
                                     <m:r>
-                                      <a:rPr lang="en-US" altLang="ko-KR" sz="1000" b="0" smtClean="0"/>
+                                      <a:rPr lang="en-US" altLang="ko-KR" sz="1000" b="0" smtClean="0">
+                                        <a:latin typeface="Cambria Math" panose="02040503050406030204" pitchFamily="18" charset="0"/>
+                                      </a:rPr>
                                       <m:t>33</m:t>
                                     </m:r>
                                   </m:sub>
@@ -14934,7 +15285,7 @@
                         <a:lstStyle/>
                         <a:p>
                           <a:pPr algn="ctr" latinLnBrk="1"/>
-                          <a:endParaRPr lang="ko-KR" altLang="en-US" sz="1000"/>
+                          <a:endParaRPr lang="ko-KR" altLang="en-US" sz="1000" dirty="0"/>
                         </a:p>
                       </a:txBody>
                       <a:tcPr anchor="ctr">
@@ -14991,18 +15342,24 @@
                                 <m:sSub>
                                   <m:sSubPr>
                                     <m:ctrlPr>
-                                      <a:rPr lang="en-US" altLang="ko-KR" sz="1000" b="0" smtClean="0"/>
+                                      <a:rPr lang="en-US" altLang="ko-KR" sz="1000" b="0" i="1" smtClean="0">
+                                        <a:latin typeface="Cambria Math" panose="02040503050406030204" pitchFamily="18" charset="0"/>
+                                      </a:rPr>
                                     </m:ctrlPr>
                                   </m:sSubPr>
                                   <m:e>
                                     <m:r>
-                                      <a:rPr lang="en-US" altLang="ko-KR" sz="1000" b="0" smtClean="0"/>
-                                      <m:t>𝑤</m:t>
+                                      <a:rPr lang="en-US" altLang="ko-KR" sz="1000" b="0" i="1" smtClean="0">
+                                        <a:latin typeface="Cambria Math" panose="02040503050406030204" pitchFamily="18" charset="0"/>
+                                      </a:rPr>
+                                      <m:t>𝑓</m:t>
                                     </m:r>
                                   </m:e>
                                   <m:sub>
                                     <m:r>
-                                      <a:rPr lang="en-US" altLang="ko-KR" sz="1000" b="0" smtClean="0"/>
+                                      <a:rPr lang="en-US" altLang="ko-KR" sz="1000" b="0" smtClean="0">
+                                        <a:latin typeface="Cambria Math" panose="02040503050406030204" pitchFamily="18" charset="0"/>
+                                      </a:rPr>
                                       <m:t>11</m:t>
                                     </m:r>
                                   </m:sub>
@@ -15083,18 +15440,24 @@
                                 <m:sSub>
                                   <m:sSubPr>
                                     <m:ctrlPr>
-                                      <a:rPr lang="en-US" altLang="ko-KR" sz="1000" b="0" smtClean="0"/>
+                                      <a:rPr lang="en-US" altLang="ko-KR" sz="1000" b="0" i="1" smtClean="0">
+                                        <a:latin typeface="Cambria Math" panose="02040503050406030204" pitchFamily="18" charset="0"/>
+                                      </a:rPr>
                                     </m:ctrlPr>
                                   </m:sSubPr>
                                   <m:e>
                                     <m:r>
-                                      <a:rPr lang="en-US" altLang="ko-KR" sz="1000" b="0" smtClean="0"/>
-                                      <m:t>𝑤</m:t>
+                                      <a:rPr lang="en-US" altLang="ko-KR" sz="1000" b="0" i="1" smtClean="0">
+                                        <a:latin typeface="Cambria Math" panose="02040503050406030204" pitchFamily="18" charset="0"/>
+                                      </a:rPr>
+                                      <m:t>𝑓</m:t>
                                     </m:r>
                                   </m:e>
                                   <m:sub>
                                     <m:r>
-                                      <a:rPr lang="en-US" altLang="ko-KR" sz="1000" b="0" smtClean="0"/>
+                                      <a:rPr lang="en-US" altLang="ko-KR" sz="1000" b="0" smtClean="0">
+                                        <a:latin typeface="Cambria Math" panose="02040503050406030204" pitchFamily="18" charset="0"/>
+                                      </a:rPr>
                                       <m:t>12</m:t>
                                     </m:r>
                                   </m:sub>
@@ -15175,18 +15538,24 @@
                                 <m:sSub>
                                   <m:sSubPr>
                                     <m:ctrlPr>
-                                      <a:rPr lang="en-US" altLang="ko-KR" sz="1000" b="0" smtClean="0"/>
+                                      <a:rPr lang="en-US" altLang="ko-KR" sz="1000" b="0" i="1" smtClean="0">
+                                        <a:latin typeface="Cambria Math" panose="02040503050406030204" pitchFamily="18" charset="0"/>
+                                      </a:rPr>
                                     </m:ctrlPr>
                                   </m:sSubPr>
                                   <m:e>
                                     <m:r>
-                                      <a:rPr lang="en-US" altLang="ko-KR" sz="1000" b="0" smtClean="0"/>
-                                      <m:t>𝑤</m:t>
+                                      <a:rPr lang="en-US" altLang="ko-KR" sz="1000" b="0" i="1" smtClean="0">
+                                        <a:latin typeface="Cambria Math" panose="02040503050406030204" pitchFamily="18" charset="0"/>
+                                      </a:rPr>
+                                      <m:t>𝑓</m:t>
                                     </m:r>
                                   </m:e>
                                   <m:sub>
                                     <m:r>
-                                      <a:rPr lang="en-US" altLang="ko-KR" sz="1000" b="0" smtClean="0"/>
+                                      <a:rPr lang="en-US" altLang="ko-KR" sz="1000" b="0" smtClean="0">
+                                        <a:latin typeface="Cambria Math" panose="02040503050406030204" pitchFamily="18" charset="0"/>
+                                      </a:rPr>
                                       <m:t>13</m:t>
                                     </m:r>
                                   </m:sub>
@@ -15347,18 +15716,24 @@
                                 <m:sSub>
                                   <m:sSubPr>
                                     <m:ctrlPr>
-                                      <a:rPr lang="en-US" altLang="ko-KR" sz="1000" b="0" smtClean="0"/>
+                                      <a:rPr lang="en-US" altLang="ko-KR" sz="1000" b="0" i="1" smtClean="0">
+                                        <a:latin typeface="Cambria Math" panose="02040503050406030204" pitchFamily="18" charset="0"/>
+                                      </a:rPr>
                                     </m:ctrlPr>
                                   </m:sSubPr>
                                   <m:e>
                                     <m:r>
-                                      <a:rPr lang="en-US" altLang="ko-KR" sz="1000" b="0" smtClean="0"/>
-                                      <m:t>𝑤</m:t>
+                                      <a:rPr lang="en-US" altLang="ko-KR" sz="1000" b="0" i="1" smtClean="0">
+                                        <a:latin typeface="Cambria Math" panose="02040503050406030204" pitchFamily="18" charset="0"/>
+                                      </a:rPr>
+                                      <m:t>𝑓</m:t>
                                     </m:r>
                                   </m:e>
                                   <m:sub>
                                     <m:r>
-                                      <a:rPr lang="en-US" altLang="ko-KR" sz="1000" b="0" smtClean="0"/>
+                                      <a:rPr lang="en-US" altLang="ko-KR" sz="1000" b="0" smtClean="0">
+                                        <a:latin typeface="Cambria Math" panose="02040503050406030204" pitchFamily="18" charset="0"/>
+                                      </a:rPr>
                                       <m:t>21</m:t>
                                     </m:r>
                                   </m:sub>
@@ -15439,18 +15814,24 @@
                                 <m:sSub>
                                   <m:sSubPr>
                                     <m:ctrlPr>
-                                      <a:rPr lang="en-US" altLang="ko-KR" sz="1000" b="0" smtClean="0"/>
+                                      <a:rPr lang="en-US" altLang="ko-KR" sz="1000" b="0" i="1" smtClean="0">
+                                        <a:latin typeface="Cambria Math" panose="02040503050406030204" pitchFamily="18" charset="0"/>
+                                      </a:rPr>
                                     </m:ctrlPr>
                                   </m:sSubPr>
                                   <m:e>
                                     <m:r>
-                                      <a:rPr lang="en-US" altLang="ko-KR" sz="1000" b="0" smtClean="0"/>
-                                      <m:t>𝑤</m:t>
+                                      <a:rPr lang="en-US" altLang="ko-KR" sz="1000" b="0" i="1" smtClean="0">
+                                        <a:latin typeface="Cambria Math" panose="02040503050406030204" pitchFamily="18" charset="0"/>
+                                      </a:rPr>
+                                      <m:t>𝑓</m:t>
                                     </m:r>
                                   </m:e>
                                   <m:sub>
                                     <m:r>
-                                      <a:rPr lang="en-US" altLang="ko-KR" sz="1000" b="0" smtClean="0"/>
+                                      <a:rPr lang="en-US" altLang="ko-KR" sz="1000" b="0" smtClean="0">
+                                        <a:latin typeface="Cambria Math" panose="02040503050406030204" pitchFamily="18" charset="0"/>
+                                      </a:rPr>
                                       <m:t>22</m:t>
                                     </m:r>
                                   </m:sub>
@@ -15531,18 +15912,24 @@
                                 <m:sSub>
                                   <m:sSubPr>
                                     <m:ctrlPr>
-                                      <a:rPr lang="en-US" altLang="ko-KR" sz="1000" b="0" smtClean="0"/>
+                                      <a:rPr lang="en-US" altLang="ko-KR" sz="1000" b="0" i="1" smtClean="0">
+                                        <a:latin typeface="Cambria Math" panose="02040503050406030204" pitchFamily="18" charset="0"/>
+                                      </a:rPr>
                                     </m:ctrlPr>
                                   </m:sSubPr>
                                   <m:e>
                                     <m:r>
-                                      <a:rPr lang="en-US" altLang="ko-KR" sz="1000" b="0" smtClean="0"/>
-                                      <m:t>𝑤</m:t>
+                                      <a:rPr lang="en-US" altLang="ko-KR" sz="1000" b="0" i="1" smtClean="0">
+                                        <a:latin typeface="Cambria Math" panose="02040503050406030204" pitchFamily="18" charset="0"/>
+                                      </a:rPr>
+                                      <m:t>𝑓</m:t>
                                     </m:r>
                                   </m:e>
                                   <m:sub>
                                     <m:r>
-                                      <a:rPr lang="en-US" altLang="ko-KR" sz="1000" b="0" smtClean="0"/>
+                                      <a:rPr lang="en-US" altLang="ko-KR" sz="1000" b="0" smtClean="0">
+                                        <a:latin typeface="Cambria Math" panose="02040503050406030204" pitchFamily="18" charset="0"/>
+                                      </a:rPr>
                                       <m:t>23</m:t>
                                     </m:r>
                                   </m:sub>
@@ -15703,18 +16090,24 @@
                                 <m:sSub>
                                   <m:sSubPr>
                                     <m:ctrlPr>
-                                      <a:rPr lang="en-US" altLang="ko-KR" sz="1000" b="0" smtClean="0"/>
+                                      <a:rPr lang="en-US" altLang="ko-KR" sz="1000" b="0" i="1" smtClean="0">
+                                        <a:latin typeface="Cambria Math" panose="02040503050406030204" pitchFamily="18" charset="0"/>
+                                      </a:rPr>
                                     </m:ctrlPr>
                                   </m:sSubPr>
                                   <m:e>
                                     <m:r>
-                                      <a:rPr lang="en-US" altLang="ko-KR" sz="1000" b="0" smtClean="0"/>
-                                      <m:t>𝑤</m:t>
+                                      <a:rPr lang="en-US" altLang="ko-KR" sz="1000" b="0" i="1" smtClean="0">
+                                        <a:latin typeface="Cambria Math" panose="02040503050406030204" pitchFamily="18" charset="0"/>
+                                      </a:rPr>
+                                      <m:t>𝑓</m:t>
                                     </m:r>
                                   </m:e>
                                   <m:sub>
                                     <m:r>
-                                      <a:rPr lang="en-US" altLang="ko-KR" sz="1000" b="0" smtClean="0"/>
+                                      <a:rPr lang="en-US" altLang="ko-KR" sz="1000" b="0" smtClean="0">
+                                        <a:latin typeface="Cambria Math" panose="02040503050406030204" pitchFamily="18" charset="0"/>
+                                      </a:rPr>
                                       <m:t>31</m:t>
                                     </m:r>
                                   </m:sub>
@@ -15795,18 +16188,24 @@
                                 <m:sSub>
                                   <m:sSubPr>
                                     <m:ctrlPr>
-                                      <a:rPr lang="en-US" altLang="ko-KR" sz="1000" b="0" smtClean="0"/>
+                                      <a:rPr lang="en-US" altLang="ko-KR" sz="1000" b="0" i="1" smtClean="0">
+                                        <a:latin typeface="Cambria Math" panose="02040503050406030204" pitchFamily="18" charset="0"/>
+                                      </a:rPr>
                                     </m:ctrlPr>
                                   </m:sSubPr>
                                   <m:e>
                                     <m:r>
-                                      <a:rPr lang="en-US" altLang="ko-KR" sz="1000" b="0" smtClean="0"/>
-                                      <m:t>𝑤</m:t>
+                                      <a:rPr lang="en-US" altLang="ko-KR" sz="1000" b="0" i="1" smtClean="0">
+                                        <a:latin typeface="Cambria Math" panose="02040503050406030204" pitchFamily="18" charset="0"/>
+                                      </a:rPr>
+                                      <m:t>𝑓</m:t>
                                     </m:r>
                                   </m:e>
                                   <m:sub>
                                     <m:r>
-                                      <a:rPr lang="en-US" altLang="ko-KR" sz="1000" b="0" smtClean="0"/>
+                                      <a:rPr lang="en-US" altLang="ko-KR" sz="1000" b="0" smtClean="0">
+                                        <a:latin typeface="Cambria Math" panose="02040503050406030204" pitchFamily="18" charset="0"/>
+                                      </a:rPr>
                                       <m:t>32</m:t>
                                     </m:r>
                                   </m:sub>
@@ -15887,18 +16286,24 @@
                                 <m:sSub>
                                   <m:sSubPr>
                                     <m:ctrlPr>
-                                      <a:rPr lang="en-US" altLang="ko-KR" sz="1000" b="0" smtClean="0"/>
+                                      <a:rPr lang="en-US" altLang="ko-KR" sz="1000" b="0" i="1" smtClean="0">
+                                        <a:latin typeface="Cambria Math" panose="02040503050406030204" pitchFamily="18" charset="0"/>
+                                      </a:rPr>
                                     </m:ctrlPr>
                                   </m:sSubPr>
                                   <m:e>
                                     <m:r>
-                                      <a:rPr lang="en-US" altLang="ko-KR" sz="1000" b="0" smtClean="0"/>
-                                      <m:t>𝑤</m:t>
+                                      <a:rPr lang="en-US" altLang="ko-KR" sz="1000" b="0" i="1" smtClean="0">
+                                        <a:latin typeface="Cambria Math" panose="02040503050406030204" pitchFamily="18" charset="0"/>
+                                      </a:rPr>
+                                      <m:t>𝑓</m:t>
                                     </m:r>
                                   </m:e>
                                   <m:sub>
                                     <m:r>
-                                      <a:rPr lang="en-US" altLang="ko-KR" sz="1000" b="0" smtClean="0"/>
+                                      <a:rPr lang="en-US" altLang="ko-KR" sz="1000" b="0" smtClean="0">
+                                        <a:latin typeface="Cambria Math" panose="02040503050406030204" pitchFamily="18" charset="0"/>
+                                      </a:rPr>
                                       <m:t>33</m:t>
                                     </m:r>
                                   </m:sub>
@@ -16537,7 +16942,7 @@
                         <a:lstStyle/>
                         <a:p>
                           <a:pPr algn="ctr" latinLnBrk="1"/>
-                          <a:endParaRPr lang="ko-KR" altLang="en-US" sz="1000"/>
+                          <a:endParaRPr lang="ko-KR" altLang="en-US" sz="1000" dirty="0"/>
                         </a:p>
                       </a:txBody>
                       <a:tcPr anchor="ctr">
@@ -16594,18 +16999,24 @@
                                 <m:sSub>
                                   <m:sSubPr>
                                     <m:ctrlPr>
-                                      <a:rPr lang="en-US" altLang="ko-KR" sz="1000" b="0" smtClean="0"/>
+                                      <a:rPr lang="en-US" altLang="ko-KR" sz="1000" b="0" i="1" smtClean="0">
+                                        <a:latin typeface="Cambria Math" panose="02040503050406030204" pitchFamily="18" charset="0"/>
+                                      </a:rPr>
                                     </m:ctrlPr>
                                   </m:sSubPr>
                                   <m:e>
                                     <m:r>
-                                      <a:rPr lang="en-US" altLang="ko-KR" sz="1000" b="0" smtClean="0"/>
-                                      <m:t>𝑤</m:t>
+                                      <a:rPr lang="en-US" altLang="ko-KR" sz="1000" b="0" i="1" smtClean="0">
+                                        <a:latin typeface="Cambria Math" panose="02040503050406030204" pitchFamily="18" charset="0"/>
+                                      </a:rPr>
+                                      <m:t>𝑓</m:t>
                                     </m:r>
                                   </m:e>
                                   <m:sub>
                                     <m:r>
-                                      <a:rPr lang="en-US" altLang="ko-KR" sz="1000" b="0" smtClean="0"/>
+                                      <a:rPr lang="en-US" altLang="ko-KR" sz="1000" b="0" smtClean="0">
+                                        <a:latin typeface="Cambria Math" panose="02040503050406030204" pitchFamily="18" charset="0"/>
+                                      </a:rPr>
                                       <m:t>11</m:t>
                                     </m:r>
                                   </m:sub>
@@ -16686,18 +17097,24 @@
                                 <m:sSub>
                                   <m:sSubPr>
                                     <m:ctrlPr>
-                                      <a:rPr lang="en-US" altLang="ko-KR" sz="1000" b="0" smtClean="0"/>
+                                      <a:rPr lang="en-US" altLang="ko-KR" sz="1000" b="0" i="1" smtClean="0">
+                                        <a:latin typeface="Cambria Math" panose="02040503050406030204" pitchFamily="18" charset="0"/>
+                                      </a:rPr>
                                     </m:ctrlPr>
                                   </m:sSubPr>
                                   <m:e>
                                     <m:r>
-                                      <a:rPr lang="en-US" altLang="ko-KR" sz="1000" b="0" smtClean="0"/>
-                                      <m:t>𝑤</m:t>
+                                      <a:rPr lang="en-US" altLang="ko-KR" sz="1000" b="0" i="1" smtClean="0">
+                                        <a:latin typeface="Cambria Math" panose="02040503050406030204" pitchFamily="18" charset="0"/>
+                                      </a:rPr>
+                                      <m:t>𝑓</m:t>
                                     </m:r>
                                   </m:e>
                                   <m:sub>
                                     <m:r>
-                                      <a:rPr lang="en-US" altLang="ko-KR" sz="1000" b="0" smtClean="0"/>
+                                      <a:rPr lang="en-US" altLang="ko-KR" sz="1000" b="0" smtClean="0">
+                                        <a:latin typeface="Cambria Math" panose="02040503050406030204" pitchFamily="18" charset="0"/>
+                                      </a:rPr>
                                       <m:t>12</m:t>
                                     </m:r>
                                   </m:sub>
@@ -16778,18 +17195,24 @@
                                 <m:sSub>
                                   <m:sSubPr>
                                     <m:ctrlPr>
-                                      <a:rPr lang="en-US" altLang="ko-KR" sz="1000" b="0" smtClean="0"/>
+                                      <a:rPr lang="en-US" altLang="ko-KR" sz="1000" b="0" i="1" smtClean="0">
+                                        <a:latin typeface="Cambria Math" panose="02040503050406030204" pitchFamily="18" charset="0"/>
+                                      </a:rPr>
                                     </m:ctrlPr>
                                   </m:sSubPr>
                                   <m:e>
                                     <m:r>
-                                      <a:rPr lang="en-US" altLang="ko-KR" sz="1000" b="0" smtClean="0"/>
-                                      <m:t>𝑤</m:t>
+                                      <a:rPr lang="en-US" altLang="ko-KR" sz="1000" b="0" i="1" smtClean="0">
+                                        <a:latin typeface="Cambria Math" panose="02040503050406030204" pitchFamily="18" charset="0"/>
+                                      </a:rPr>
+                                      <m:t>𝑓</m:t>
                                     </m:r>
                                   </m:e>
                                   <m:sub>
                                     <m:r>
-                                      <a:rPr lang="en-US" altLang="ko-KR" sz="1000" b="0" smtClean="0"/>
+                                      <a:rPr lang="en-US" altLang="ko-KR" sz="1000" b="0" smtClean="0">
+                                        <a:latin typeface="Cambria Math" panose="02040503050406030204" pitchFamily="18" charset="0"/>
+                                      </a:rPr>
                                       <m:t>13</m:t>
                                     </m:r>
                                   </m:sub>
@@ -16950,18 +17373,24 @@
                                 <m:sSub>
                                   <m:sSubPr>
                                     <m:ctrlPr>
-                                      <a:rPr lang="en-US" altLang="ko-KR" sz="1000" b="0" smtClean="0"/>
+                                      <a:rPr lang="en-US" altLang="ko-KR" sz="1000" b="0" i="1" smtClean="0">
+                                        <a:latin typeface="Cambria Math" panose="02040503050406030204" pitchFamily="18" charset="0"/>
+                                      </a:rPr>
                                     </m:ctrlPr>
                                   </m:sSubPr>
                                   <m:e>
                                     <m:r>
-                                      <a:rPr lang="en-US" altLang="ko-KR" sz="1000" b="0" smtClean="0"/>
-                                      <m:t>𝑤</m:t>
+                                      <a:rPr lang="en-US" altLang="ko-KR" sz="1000" b="0" i="1" smtClean="0">
+                                        <a:latin typeface="Cambria Math" panose="02040503050406030204" pitchFamily="18" charset="0"/>
+                                      </a:rPr>
+                                      <m:t>𝑓</m:t>
                                     </m:r>
                                   </m:e>
                                   <m:sub>
                                     <m:r>
-                                      <a:rPr lang="en-US" altLang="ko-KR" sz="1000" b="0" smtClean="0"/>
+                                      <a:rPr lang="en-US" altLang="ko-KR" sz="1000" b="0" smtClean="0">
+                                        <a:latin typeface="Cambria Math" panose="02040503050406030204" pitchFamily="18" charset="0"/>
+                                      </a:rPr>
                                       <m:t>21</m:t>
                                     </m:r>
                                   </m:sub>
@@ -17042,18 +17471,24 @@
                                 <m:sSub>
                                   <m:sSubPr>
                                     <m:ctrlPr>
-                                      <a:rPr lang="en-US" altLang="ko-KR" sz="1000" b="0" smtClean="0"/>
+                                      <a:rPr lang="en-US" altLang="ko-KR" sz="1000" b="0" i="1" smtClean="0">
+                                        <a:latin typeface="Cambria Math" panose="02040503050406030204" pitchFamily="18" charset="0"/>
+                                      </a:rPr>
                                     </m:ctrlPr>
                                   </m:sSubPr>
                                   <m:e>
                                     <m:r>
-                                      <a:rPr lang="en-US" altLang="ko-KR" sz="1000" b="0" smtClean="0"/>
-                                      <m:t>𝑤</m:t>
+                                      <a:rPr lang="en-US" altLang="ko-KR" sz="1000" b="0" i="1" smtClean="0">
+                                        <a:latin typeface="Cambria Math" panose="02040503050406030204" pitchFamily="18" charset="0"/>
+                                      </a:rPr>
+                                      <m:t>𝑓</m:t>
                                     </m:r>
                                   </m:e>
                                   <m:sub>
                                     <m:r>
-                                      <a:rPr lang="en-US" altLang="ko-KR" sz="1000" b="0" smtClean="0"/>
+                                      <a:rPr lang="en-US" altLang="ko-KR" sz="1000" b="0" smtClean="0">
+                                        <a:latin typeface="Cambria Math" panose="02040503050406030204" pitchFamily="18" charset="0"/>
+                                      </a:rPr>
                                       <m:t>22</m:t>
                                     </m:r>
                                   </m:sub>
@@ -17134,18 +17569,24 @@
                                 <m:sSub>
                                   <m:sSubPr>
                                     <m:ctrlPr>
-                                      <a:rPr lang="en-US" altLang="ko-KR" sz="1000" b="0" smtClean="0"/>
+                                      <a:rPr lang="en-US" altLang="ko-KR" sz="1000" b="0" i="1" smtClean="0">
+                                        <a:latin typeface="Cambria Math" panose="02040503050406030204" pitchFamily="18" charset="0"/>
+                                      </a:rPr>
                                     </m:ctrlPr>
                                   </m:sSubPr>
                                   <m:e>
                                     <m:r>
-                                      <a:rPr lang="en-US" altLang="ko-KR" sz="1000" b="0" smtClean="0"/>
-                                      <m:t>𝑤</m:t>
+                                      <a:rPr lang="en-US" altLang="ko-KR" sz="1000" b="0" i="1" smtClean="0">
+                                        <a:latin typeface="Cambria Math" panose="02040503050406030204" pitchFamily="18" charset="0"/>
+                                      </a:rPr>
+                                      <m:t>𝑓</m:t>
                                     </m:r>
                                   </m:e>
                                   <m:sub>
                                     <m:r>
-                                      <a:rPr lang="en-US" altLang="ko-KR" sz="1000" b="0" smtClean="0"/>
+                                      <a:rPr lang="en-US" altLang="ko-KR" sz="1000" b="0" smtClean="0">
+                                        <a:latin typeface="Cambria Math" panose="02040503050406030204" pitchFamily="18" charset="0"/>
+                                      </a:rPr>
                                       <m:t>23</m:t>
                                     </m:r>
                                   </m:sub>
@@ -17306,18 +17747,24 @@
                                 <m:sSub>
                                   <m:sSubPr>
                                     <m:ctrlPr>
-                                      <a:rPr lang="en-US" altLang="ko-KR" sz="1000" b="0" smtClean="0"/>
+                                      <a:rPr lang="en-US" altLang="ko-KR" sz="1000" b="0" i="1" smtClean="0">
+                                        <a:latin typeface="Cambria Math" panose="02040503050406030204" pitchFamily="18" charset="0"/>
+                                      </a:rPr>
                                     </m:ctrlPr>
                                   </m:sSubPr>
                                   <m:e>
                                     <m:r>
-                                      <a:rPr lang="en-US" altLang="ko-KR" sz="1000" b="0" smtClean="0"/>
-                                      <m:t>𝑤</m:t>
+                                      <a:rPr lang="en-US" altLang="ko-KR" sz="1000" b="0" i="1" smtClean="0">
+                                        <a:latin typeface="Cambria Math" panose="02040503050406030204" pitchFamily="18" charset="0"/>
+                                      </a:rPr>
+                                      <m:t>𝑓</m:t>
                                     </m:r>
                                   </m:e>
                                   <m:sub>
                                     <m:r>
-                                      <a:rPr lang="en-US" altLang="ko-KR" sz="1000" b="0" smtClean="0"/>
+                                      <a:rPr lang="en-US" altLang="ko-KR" sz="1000" b="0" smtClean="0">
+                                        <a:latin typeface="Cambria Math" panose="02040503050406030204" pitchFamily="18" charset="0"/>
+                                      </a:rPr>
                                       <m:t>31</m:t>
                                     </m:r>
                                   </m:sub>
@@ -17398,18 +17845,24 @@
                                 <m:sSub>
                                   <m:sSubPr>
                                     <m:ctrlPr>
-                                      <a:rPr lang="en-US" altLang="ko-KR" sz="1000" b="0" smtClean="0"/>
+                                      <a:rPr lang="en-US" altLang="ko-KR" sz="1000" b="0" i="1" smtClean="0">
+                                        <a:latin typeface="Cambria Math" panose="02040503050406030204" pitchFamily="18" charset="0"/>
+                                      </a:rPr>
                                     </m:ctrlPr>
                                   </m:sSubPr>
                                   <m:e>
                                     <m:r>
-                                      <a:rPr lang="en-US" altLang="ko-KR" sz="1000" b="0" smtClean="0"/>
-                                      <m:t>𝑤</m:t>
+                                      <a:rPr lang="en-US" altLang="ko-KR" sz="1000" b="0" i="1" smtClean="0">
+                                        <a:latin typeface="Cambria Math" panose="02040503050406030204" pitchFamily="18" charset="0"/>
+                                      </a:rPr>
+                                      <m:t>𝑓</m:t>
                                     </m:r>
                                   </m:e>
                                   <m:sub>
                                     <m:r>
-                                      <a:rPr lang="en-US" altLang="ko-KR" sz="1000" b="0" smtClean="0"/>
+                                      <a:rPr lang="en-US" altLang="ko-KR" sz="1000" b="0" smtClean="0">
+                                        <a:latin typeface="Cambria Math" panose="02040503050406030204" pitchFamily="18" charset="0"/>
+                                      </a:rPr>
                                       <m:t>32</m:t>
                                     </m:r>
                                   </m:sub>
@@ -17490,18 +17943,24 @@
                                 <m:sSub>
                                   <m:sSubPr>
                                     <m:ctrlPr>
-                                      <a:rPr lang="en-US" altLang="ko-KR" sz="1000" b="0" smtClean="0"/>
+                                      <a:rPr lang="en-US" altLang="ko-KR" sz="1000" b="0" i="1" smtClean="0">
+                                        <a:latin typeface="Cambria Math" panose="02040503050406030204" pitchFamily="18" charset="0"/>
+                                      </a:rPr>
                                     </m:ctrlPr>
                                   </m:sSubPr>
                                   <m:e>
                                     <m:r>
-                                      <a:rPr lang="en-US" altLang="ko-KR" sz="1000" b="0" smtClean="0"/>
-                                      <m:t>𝑤</m:t>
+                                      <a:rPr lang="en-US" altLang="ko-KR" sz="1000" b="0" i="1" smtClean="0">
+                                        <a:latin typeface="Cambria Math" panose="02040503050406030204" pitchFamily="18" charset="0"/>
+                                      </a:rPr>
+                                      <m:t>𝑓</m:t>
                                     </m:r>
                                   </m:e>
                                   <m:sub>
                                     <m:r>
-                                      <a:rPr lang="en-US" altLang="ko-KR" sz="1000" b="0" smtClean="0"/>
+                                      <a:rPr lang="en-US" altLang="ko-KR" sz="1000" b="0" smtClean="0">
+                                        <a:latin typeface="Cambria Math" panose="02040503050406030204" pitchFamily="18" charset="0"/>
+                                      </a:rPr>
                                       <m:t>33</m:t>
                                     </m:r>
                                   </m:sub>
@@ -17578,7 +18037,7 @@
               <p:nvPr>
                 <p:extLst>
                   <p:ext uri="{D42A27DB-BD31-4B8C-83A1-F6EECF244321}">
-                    <p14:modId xmlns:p14="http://schemas.microsoft.com/office/powerpoint/2010/main" val="2517333362"/>
+                    <p14:modId xmlns:p14="http://schemas.microsoft.com/office/powerpoint/2010/main" val="406928778"/>
                   </p:ext>
                 </p:extLst>
               </p:nvPr>
@@ -20329,7 +20788,7 @@
                         <a:lstStyle/>
                         <a:p>
                           <a:pPr algn="ctr" latinLnBrk="1"/>
-                          <a:endParaRPr lang="ko-KR" altLang="en-US" sz="1000"/>
+                          <a:endParaRPr lang="ko-KR" altLang="en-US" sz="1000" dirty="0"/>
                         </a:p>
                       </a:txBody>
                       <a:tcPr anchor="ctr">
@@ -21581,7 +22040,7 @@
                         <a:lstStyle/>
                         <a:p>
                           <a:pPr algn="ctr" latinLnBrk="1"/>
-                          <a:endParaRPr lang="ko-KR" altLang="en-US" sz="1000"/>
+                          <a:endParaRPr lang="ko-KR" altLang="en-US" sz="1000" dirty="0"/>
                         </a:p>
                       </a:txBody>
                       <a:tcPr anchor="ctr">
@@ -21629,7 +22088,7 @@
                         <a:lstStyle/>
                         <a:p>
                           <a:pPr algn="ctr" latinLnBrk="1"/>
-                          <a:endParaRPr lang="ko-KR" altLang="en-US" sz="1000"/>
+                          <a:endParaRPr lang="ko-KR" altLang="en-US" sz="1000" dirty="0"/>
                         </a:p>
                       </a:txBody>
                       <a:tcPr anchor="ctr">
@@ -21677,7 +22136,7 @@
                         <a:lstStyle/>
                         <a:p>
                           <a:pPr algn="ctr" latinLnBrk="1"/>
-                          <a:endParaRPr lang="ko-KR" altLang="en-US" sz="1000"/>
+                          <a:endParaRPr lang="ko-KR" altLang="en-US" sz="1000" dirty="0"/>
                         </a:p>
                       </a:txBody>
                       <a:tcPr anchor="ctr">
@@ -21725,7 +22184,7 @@
                         <a:lstStyle/>
                         <a:p>
                           <a:pPr algn="ctr" latinLnBrk="1"/>
-                          <a:endParaRPr lang="ko-KR" altLang="en-US" sz="1000"/>
+                          <a:endParaRPr lang="ko-KR" altLang="en-US" sz="1000" dirty="0"/>
                         </a:p>
                       </a:txBody>
                       <a:tcPr anchor="ctr">
@@ -23025,7 +23484,7 @@
                         <a:lstStyle/>
                         <a:p>
                           <a:pPr algn="ctr" latinLnBrk="1"/>
-                          <a:endParaRPr lang="ko-KR" altLang="en-US" sz="1000"/>
+                          <a:endParaRPr lang="ko-KR" altLang="en-US" sz="1000" dirty="0"/>
                         </a:p>
                       </a:txBody>
                       <a:tcPr anchor="ctr">
@@ -24325,7 +24784,7 @@
                         <a:lstStyle/>
                         <a:p>
                           <a:pPr algn="ctr" latinLnBrk="1"/>
-                          <a:endParaRPr lang="ko-KR" altLang="en-US" sz="1000"/>
+                          <a:endParaRPr lang="ko-KR" altLang="en-US" sz="1000" dirty="0"/>
                         </a:p>
                       </a:txBody>
                       <a:tcPr anchor="ctr">
@@ -25625,7 +26084,7 @@
                         <a:lstStyle/>
                         <a:p>
                           <a:pPr algn="ctr" latinLnBrk="1"/>
-                          <a:endParaRPr lang="ko-KR" altLang="en-US" sz="1000"/>
+                          <a:endParaRPr lang="ko-KR" altLang="en-US" sz="1000" dirty="0"/>
                         </a:p>
                       </a:txBody>
                       <a:tcPr anchor="ctr">
@@ -25673,7 +26132,7 @@
                         <a:lstStyle/>
                         <a:p>
                           <a:pPr algn="ctr" latinLnBrk="1"/>
-                          <a:endParaRPr lang="ko-KR" altLang="en-US" sz="1000"/>
+                          <a:endParaRPr lang="ko-KR" altLang="en-US" sz="1000" dirty="0"/>
                         </a:p>
                       </a:txBody>
                       <a:tcPr anchor="ctr">
@@ -25721,7 +26180,7 @@
                         <a:lstStyle/>
                         <a:p>
                           <a:pPr algn="ctr" latinLnBrk="1"/>
-                          <a:endParaRPr lang="ko-KR" altLang="en-US" sz="1000"/>
+                          <a:endParaRPr lang="ko-KR" altLang="en-US" sz="1000" dirty="0"/>
                         </a:p>
                       </a:txBody>
                       <a:tcPr anchor="ctr">
@@ -27021,7 +27480,7 @@
                         <a:lstStyle/>
                         <a:p>
                           <a:pPr algn="ctr" latinLnBrk="1"/>
-                          <a:endParaRPr lang="ko-KR" altLang="en-US" sz="1000"/>
+                          <a:endParaRPr lang="ko-KR" altLang="en-US" sz="1000" dirty="0"/>
                         </a:p>
                       </a:txBody>
                       <a:tcPr anchor="ctr">
@@ -28321,7 +28780,7 @@
                         <a:lstStyle/>
                         <a:p>
                           <a:pPr algn="ctr" latinLnBrk="1"/>
-                          <a:endParaRPr lang="ko-KR" altLang="en-US" sz="1000"/>
+                          <a:endParaRPr lang="ko-KR" altLang="en-US" sz="1000" dirty="0"/>
                         </a:p>
                       </a:txBody>
                       <a:tcPr anchor="ctr">
@@ -29044,8 +29503,8 @@
           </p:graphicFrame>
         </mc:Fallback>
       </mc:AlternateContent>
-      <mc:AlternateContent xmlns:mc="http://schemas.openxmlformats.org/markup-compatibility/2006">
-        <mc:Choice xmlns:a14="http://schemas.microsoft.com/office/drawing/2010/main" Requires="a14">
+      <mc:AlternateContent xmlns:mc="http://schemas.openxmlformats.org/markup-compatibility/2006" xmlns:a14="http://schemas.microsoft.com/office/drawing/2010/main">
+        <mc:Choice Requires="a14">
           <p:graphicFrame>
             <p:nvGraphicFramePr>
               <p:cNvPr id="6" name="표 3">
@@ -29615,13 +30074,7 @@
                                       <a:rPr lang="en-US" altLang="ko-KR" sz="1000" b="0" i="1" smtClean="0">
                                         <a:latin typeface="Cambria Math" panose="02040503050406030204" pitchFamily="18" charset="0"/>
                                       </a:rPr>
-                                      <m:t>2</m:t>
-                                    </m:r>
-                                    <m:r>
-                                      <a:rPr lang="en-US" altLang="ko-KR" sz="1000" b="0" i="1" smtClean="0">
-                                        <a:latin typeface="Cambria Math" panose="02040503050406030204" pitchFamily="18" charset="0"/>
-                                      </a:rPr>
-                                      <m:t>1</m:t>
+                                      <m:t>21</m:t>
                                     </m:r>
                                   </m:sub>
                                 </m:sSub>
@@ -29719,23 +30172,7 @@
                                         <a:latin typeface="Cambria Math" panose="02040503050406030204" pitchFamily="18" charset="0"/>
                                         <a:cs typeface="+mn-cs"/>
                                       </a:rPr>
-                                      <m:t>2</m:t>
-                                    </m:r>
-                                    <m:r>
-                                      <a:rPr kumimoji="0" lang="en-US" altLang="ko-KR" sz="1000" b="0" i="1" u="none" strike="noStrike" kern="1200" cap="none" spc="0" normalizeH="0" baseline="0" noProof="0" smtClean="0">
-                                        <a:ln>
-                                          <a:noFill/>
-                                        </a:ln>
-                                        <a:solidFill>
-                                          <a:prstClr val="black"/>
-                                        </a:solidFill>
-                                        <a:effectLst/>
-                                        <a:uLnTx/>
-                                        <a:uFillTx/>
-                                        <a:latin typeface="Cambria Math" panose="02040503050406030204" pitchFamily="18" charset="0"/>
-                                        <a:cs typeface="+mn-cs"/>
-                                      </a:rPr>
-                                      <m:t>2</m:t>
+                                      <m:t>22</m:t>
                                     </m:r>
                                   </m:sub>
                                 </m:sSub>
@@ -29846,23 +30283,7 @@
                                         <a:latin typeface="Cambria Math" panose="02040503050406030204" pitchFamily="18" charset="0"/>
                                         <a:cs typeface="+mn-cs"/>
                                       </a:rPr>
-                                      <m:t>2</m:t>
-                                    </m:r>
-                                    <m:r>
-                                      <a:rPr kumimoji="0" lang="en-US" altLang="ko-KR" sz="1000" b="0" i="1" u="none" strike="noStrike" kern="1200" cap="none" spc="0" normalizeH="0" baseline="0" noProof="0" smtClean="0">
-                                        <a:ln>
-                                          <a:noFill/>
-                                        </a:ln>
-                                        <a:solidFill>
-                                          <a:prstClr val="black"/>
-                                        </a:solidFill>
-                                        <a:effectLst/>
-                                        <a:uLnTx/>
-                                        <a:uFillTx/>
-                                        <a:latin typeface="Cambria Math" panose="02040503050406030204" pitchFamily="18" charset="0"/>
-                                        <a:cs typeface="+mn-cs"/>
-                                      </a:rPr>
-                                      <m:t>3</m:t>
+                                      <m:t>23</m:t>
                                     </m:r>
                                   </m:sub>
                                 </m:sSub>
@@ -29973,23 +30394,7 @@
                                         <a:latin typeface="Cambria Math" panose="02040503050406030204" pitchFamily="18" charset="0"/>
                                         <a:cs typeface="+mn-cs"/>
                                       </a:rPr>
-                                      <m:t>2</m:t>
-                                    </m:r>
-                                    <m:r>
-                                      <a:rPr kumimoji="0" lang="en-US" altLang="ko-KR" sz="1000" b="0" i="1" u="none" strike="noStrike" kern="1200" cap="none" spc="0" normalizeH="0" baseline="0" noProof="0" smtClean="0">
-                                        <a:ln>
-                                          <a:noFill/>
-                                        </a:ln>
-                                        <a:solidFill>
-                                          <a:prstClr val="black"/>
-                                        </a:solidFill>
-                                        <a:effectLst/>
-                                        <a:uLnTx/>
-                                        <a:uFillTx/>
-                                        <a:latin typeface="Cambria Math" panose="02040503050406030204" pitchFamily="18" charset="0"/>
-                                        <a:cs typeface="+mn-cs"/>
-                                      </a:rPr>
-                                      <m:t>4</m:t>
+                                      <m:t>24</m:t>
                                     </m:r>
                                   </m:sub>
                                 </m:sSub>
@@ -30100,23 +30505,7 @@
                                         <a:latin typeface="Cambria Math" panose="02040503050406030204" pitchFamily="18" charset="0"/>
                                         <a:cs typeface="+mn-cs"/>
                                       </a:rPr>
-                                      <m:t>2</m:t>
-                                    </m:r>
-                                    <m:r>
-                                      <a:rPr kumimoji="0" lang="en-US" altLang="ko-KR" sz="1000" b="0" i="1" u="none" strike="noStrike" kern="1200" cap="none" spc="0" normalizeH="0" baseline="0" noProof="0" smtClean="0">
-                                        <a:ln>
-                                          <a:noFill/>
-                                        </a:ln>
-                                        <a:solidFill>
-                                          <a:prstClr val="black"/>
-                                        </a:solidFill>
-                                        <a:effectLst/>
-                                        <a:uLnTx/>
-                                        <a:uFillTx/>
-                                        <a:latin typeface="Cambria Math" panose="02040503050406030204" pitchFamily="18" charset="0"/>
-                                        <a:cs typeface="+mn-cs"/>
-                                      </a:rPr>
-                                      <m:t>5</m:t>
+                                      <m:t>25</m:t>
                                     </m:r>
                                   </m:sub>
                                 </m:sSub>
@@ -30181,13 +30570,7 @@
                                       <a:rPr lang="en-US" altLang="ko-KR" sz="1000" b="0" i="1" smtClean="0">
                                         <a:latin typeface="Cambria Math" panose="02040503050406030204" pitchFamily="18" charset="0"/>
                                       </a:rPr>
-                                      <m:t>3</m:t>
-                                    </m:r>
-                                    <m:r>
-                                      <a:rPr lang="en-US" altLang="ko-KR" sz="1000" b="0" i="1" smtClean="0">
-                                        <a:latin typeface="Cambria Math" panose="02040503050406030204" pitchFamily="18" charset="0"/>
-                                      </a:rPr>
-                                      <m:t>1</m:t>
+                                      <m:t>31</m:t>
                                     </m:r>
                                   </m:sub>
                                 </m:sSub>
@@ -30285,23 +30668,7 @@
                                         <a:latin typeface="Cambria Math" panose="02040503050406030204" pitchFamily="18" charset="0"/>
                                         <a:cs typeface="+mn-cs"/>
                                       </a:rPr>
-                                      <m:t>3</m:t>
-                                    </m:r>
-                                    <m:r>
-                                      <a:rPr kumimoji="0" lang="en-US" altLang="ko-KR" sz="1000" b="0" i="1" u="none" strike="noStrike" kern="1200" cap="none" spc="0" normalizeH="0" baseline="0" noProof="0" smtClean="0">
-                                        <a:ln>
-                                          <a:noFill/>
-                                        </a:ln>
-                                        <a:solidFill>
-                                          <a:prstClr val="black"/>
-                                        </a:solidFill>
-                                        <a:effectLst/>
-                                        <a:uLnTx/>
-                                        <a:uFillTx/>
-                                        <a:latin typeface="Cambria Math" panose="02040503050406030204" pitchFamily="18" charset="0"/>
-                                        <a:cs typeface="+mn-cs"/>
-                                      </a:rPr>
-                                      <m:t>2</m:t>
+                                      <m:t>32</m:t>
                                     </m:r>
                                   </m:sub>
                                 </m:sSub>
@@ -30412,23 +30779,7 @@
                                         <a:latin typeface="Cambria Math" panose="02040503050406030204" pitchFamily="18" charset="0"/>
                                         <a:cs typeface="+mn-cs"/>
                                       </a:rPr>
-                                      <m:t>3</m:t>
-                                    </m:r>
-                                    <m:r>
-                                      <a:rPr kumimoji="0" lang="en-US" altLang="ko-KR" sz="1000" b="0" i="1" u="none" strike="noStrike" kern="1200" cap="none" spc="0" normalizeH="0" baseline="0" noProof="0" smtClean="0">
-                                        <a:ln>
-                                          <a:noFill/>
-                                        </a:ln>
-                                        <a:solidFill>
-                                          <a:prstClr val="black"/>
-                                        </a:solidFill>
-                                        <a:effectLst/>
-                                        <a:uLnTx/>
-                                        <a:uFillTx/>
-                                        <a:latin typeface="Cambria Math" panose="02040503050406030204" pitchFamily="18" charset="0"/>
-                                        <a:cs typeface="+mn-cs"/>
-                                      </a:rPr>
-                                      <m:t>3</m:t>
+                                      <m:t>33</m:t>
                                     </m:r>
                                   </m:sub>
                                 </m:sSub>
@@ -30539,23 +30890,7 @@
                                         <a:latin typeface="Cambria Math" panose="02040503050406030204" pitchFamily="18" charset="0"/>
                                         <a:cs typeface="+mn-cs"/>
                                       </a:rPr>
-                                      <m:t>3</m:t>
-                                    </m:r>
-                                    <m:r>
-                                      <a:rPr kumimoji="0" lang="en-US" altLang="ko-KR" sz="1000" b="0" i="1" u="none" strike="noStrike" kern="1200" cap="none" spc="0" normalizeH="0" baseline="0" noProof="0" smtClean="0">
-                                        <a:ln>
-                                          <a:noFill/>
-                                        </a:ln>
-                                        <a:solidFill>
-                                          <a:prstClr val="black"/>
-                                        </a:solidFill>
-                                        <a:effectLst/>
-                                        <a:uLnTx/>
-                                        <a:uFillTx/>
-                                        <a:latin typeface="Cambria Math" panose="02040503050406030204" pitchFamily="18" charset="0"/>
-                                        <a:cs typeface="+mn-cs"/>
-                                      </a:rPr>
-                                      <m:t>4</m:t>
+                                      <m:t>34</m:t>
                                     </m:r>
                                   </m:sub>
                                 </m:sSub>
@@ -30666,23 +31001,7 @@
                                         <a:latin typeface="Cambria Math" panose="02040503050406030204" pitchFamily="18" charset="0"/>
                                         <a:cs typeface="+mn-cs"/>
                                       </a:rPr>
-                                      <m:t>3</m:t>
-                                    </m:r>
-                                    <m:r>
-                                      <a:rPr kumimoji="0" lang="en-US" altLang="ko-KR" sz="1000" b="0" i="1" u="none" strike="noStrike" kern="1200" cap="none" spc="0" normalizeH="0" baseline="0" noProof="0" smtClean="0">
-                                        <a:ln>
-                                          <a:noFill/>
-                                        </a:ln>
-                                        <a:solidFill>
-                                          <a:prstClr val="black"/>
-                                        </a:solidFill>
-                                        <a:effectLst/>
-                                        <a:uLnTx/>
-                                        <a:uFillTx/>
-                                        <a:latin typeface="Cambria Math" panose="02040503050406030204" pitchFamily="18" charset="0"/>
-                                        <a:cs typeface="+mn-cs"/>
-                                      </a:rPr>
-                                      <m:t>5</m:t>
+                                      <m:t>35</m:t>
                                     </m:r>
                                   </m:sub>
                                 </m:sSub>
@@ -30747,13 +31066,7 @@
                                       <a:rPr lang="en-US" altLang="ko-KR" sz="1000" b="0" i="1" smtClean="0">
                                         <a:latin typeface="Cambria Math" panose="02040503050406030204" pitchFamily="18" charset="0"/>
                                       </a:rPr>
-                                      <m:t>4</m:t>
-                                    </m:r>
-                                    <m:r>
-                                      <a:rPr lang="en-US" altLang="ko-KR" sz="1000" b="0" i="1" smtClean="0">
-                                        <a:latin typeface="Cambria Math" panose="02040503050406030204" pitchFamily="18" charset="0"/>
-                                      </a:rPr>
-                                      <m:t>1</m:t>
+                                      <m:t>41</m:t>
                                     </m:r>
                                   </m:sub>
                                 </m:sSub>
@@ -30851,23 +31164,7 @@
                                         <a:latin typeface="Cambria Math" panose="02040503050406030204" pitchFamily="18" charset="0"/>
                                         <a:cs typeface="+mn-cs"/>
                                       </a:rPr>
-                                      <m:t>4</m:t>
-                                    </m:r>
-                                    <m:r>
-                                      <a:rPr kumimoji="0" lang="en-US" altLang="ko-KR" sz="1000" b="0" i="1" u="none" strike="noStrike" kern="1200" cap="none" spc="0" normalizeH="0" baseline="0" noProof="0" smtClean="0">
-                                        <a:ln>
-                                          <a:noFill/>
-                                        </a:ln>
-                                        <a:solidFill>
-                                          <a:prstClr val="black"/>
-                                        </a:solidFill>
-                                        <a:effectLst/>
-                                        <a:uLnTx/>
-                                        <a:uFillTx/>
-                                        <a:latin typeface="Cambria Math" panose="02040503050406030204" pitchFamily="18" charset="0"/>
-                                        <a:cs typeface="+mn-cs"/>
-                                      </a:rPr>
-                                      <m:t>2</m:t>
+                                      <m:t>42</m:t>
                                     </m:r>
                                   </m:sub>
                                 </m:sSub>
@@ -30978,23 +31275,7 @@
                                         <a:latin typeface="Cambria Math" panose="02040503050406030204" pitchFamily="18" charset="0"/>
                                         <a:cs typeface="+mn-cs"/>
                                       </a:rPr>
-                                      <m:t>4</m:t>
-                                    </m:r>
-                                    <m:r>
-                                      <a:rPr kumimoji="0" lang="en-US" altLang="ko-KR" sz="1000" b="0" i="1" u="none" strike="noStrike" kern="1200" cap="none" spc="0" normalizeH="0" baseline="0" noProof="0" smtClean="0">
-                                        <a:ln>
-                                          <a:noFill/>
-                                        </a:ln>
-                                        <a:solidFill>
-                                          <a:prstClr val="black"/>
-                                        </a:solidFill>
-                                        <a:effectLst/>
-                                        <a:uLnTx/>
-                                        <a:uFillTx/>
-                                        <a:latin typeface="Cambria Math" panose="02040503050406030204" pitchFamily="18" charset="0"/>
-                                        <a:cs typeface="+mn-cs"/>
-                                      </a:rPr>
-                                      <m:t>3</m:t>
+                                      <m:t>43</m:t>
                                     </m:r>
                                   </m:sub>
                                 </m:sSub>
@@ -31105,23 +31386,7 @@
                                         <a:latin typeface="Cambria Math" panose="02040503050406030204" pitchFamily="18" charset="0"/>
                                         <a:cs typeface="+mn-cs"/>
                                       </a:rPr>
-                                      <m:t>4</m:t>
-                                    </m:r>
-                                    <m:r>
-                                      <a:rPr kumimoji="0" lang="en-US" altLang="ko-KR" sz="1000" b="0" i="1" u="none" strike="noStrike" kern="1200" cap="none" spc="0" normalizeH="0" baseline="0" noProof="0" smtClean="0">
-                                        <a:ln>
-                                          <a:noFill/>
-                                        </a:ln>
-                                        <a:solidFill>
-                                          <a:prstClr val="black"/>
-                                        </a:solidFill>
-                                        <a:effectLst/>
-                                        <a:uLnTx/>
-                                        <a:uFillTx/>
-                                        <a:latin typeface="Cambria Math" panose="02040503050406030204" pitchFamily="18" charset="0"/>
-                                        <a:cs typeface="+mn-cs"/>
-                                      </a:rPr>
-                                      <m:t>4</m:t>
+                                      <m:t>44</m:t>
                                     </m:r>
                                   </m:sub>
                                 </m:sSub>
@@ -31232,23 +31497,7 @@
                                         <a:latin typeface="Cambria Math" panose="02040503050406030204" pitchFamily="18" charset="0"/>
                                         <a:cs typeface="+mn-cs"/>
                                       </a:rPr>
-                                      <m:t>4</m:t>
-                                    </m:r>
-                                    <m:r>
-                                      <a:rPr kumimoji="0" lang="en-US" altLang="ko-KR" sz="1000" b="0" i="1" u="none" strike="noStrike" kern="1200" cap="none" spc="0" normalizeH="0" baseline="0" noProof="0" smtClean="0">
-                                        <a:ln>
-                                          <a:noFill/>
-                                        </a:ln>
-                                        <a:solidFill>
-                                          <a:prstClr val="black"/>
-                                        </a:solidFill>
-                                        <a:effectLst/>
-                                        <a:uLnTx/>
-                                        <a:uFillTx/>
-                                        <a:latin typeface="Cambria Math" panose="02040503050406030204" pitchFamily="18" charset="0"/>
-                                        <a:cs typeface="+mn-cs"/>
-                                      </a:rPr>
-                                      <m:t>5</m:t>
+                                      <m:t>45</m:t>
                                     </m:r>
                                   </m:sub>
                                 </m:sSub>
@@ -31313,13 +31562,7 @@
                                       <a:rPr lang="en-US" altLang="ko-KR" sz="1000" b="0" i="1" smtClean="0">
                                         <a:latin typeface="Cambria Math" panose="02040503050406030204" pitchFamily="18" charset="0"/>
                                       </a:rPr>
-                                      <m:t>5</m:t>
-                                    </m:r>
-                                    <m:r>
-                                      <a:rPr lang="en-US" altLang="ko-KR" sz="1000" b="0" i="1" smtClean="0">
-                                        <a:latin typeface="Cambria Math" panose="02040503050406030204" pitchFamily="18" charset="0"/>
-                                      </a:rPr>
-                                      <m:t>1</m:t>
+                                      <m:t>51</m:t>
                                     </m:r>
                                   </m:sub>
                                 </m:sSub>
@@ -31417,23 +31660,7 @@
                                         <a:latin typeface="Cambria Math" panose="02040503050406030204" pitchFamily="18" charset="0"/>
                                         <a:cs typeface="+mn-cs"/>
                                       </a:rPr>
-                                      <m:t>5</m:t>
-                                    </m:r>
-                                    <m:r>
-                                      <a:rPr kumimoji="0" lang="en-US" altLang="ko-KR" sz="1000" b="0" i="1" u="none" strike="noStrike" kern="1200" cap="none" spc="0" normalizeH="0" baseline="0" noProof="0" smtClean="0">
-                                        <a:ln>
-                                          <a:noFill/>
-                                        </a:ln>
-                                        <a:solidFill>
-                                          <a:prstClr val="black"/>
-                                        </a:solidFill>
-                                        <a:effectLst/>
-                                        <a:uLnTx/>
-                                        <a:uFillTx/>
-                                        <a:latin typeface="Cambria Math" panose="02040503050406030204" pitchFamily="18" charset="0"/>
-                                        <a:cs typeface="+mn-cs"/>
-                                      </a:rPr>
-                                      <m:t>2</m:t>
+                                      <m:t>52</m:t>
                                     </m:r>
                                   </m:sub>
                                 </m:sSub>
@@ -31544,23 +31771,7 @@
                                         <a:latin typeface="Cambria Math" panose="02040503050406030204" pitchFamily="18" charset="0"/>
                                         <a:cs typeface="+mn-cs"/>
                                       </a:rPr>
-                                      <m:t>5</m:t>
-                                    </m:r>
-                                    <m:r>
-                                      <a:rPr kumimoji="0" lang="en-US" altLang="ko-KR" sz="1000" b="0" i="1" u="none" strike="noStrike" kern="1200" cap="none" spc="0" normalizeH="0" baseline="0" noProof="0" smtClean="0">
-                                        <a:ln>
-                                          <a:noFill/>
-                                        </a:ln>
-                                        <a:solidFill>
-                                          <a:prstClr val="black"/>
-                                        </a:solidFill>
-                                        <a:effectLst/>
-                                        <a:uLnTx/>
-                                        <a:uFillTx/>
-                                        <a:latin typeface="Cambria Math" panose="02040503050406030204" pitchFamily="18" charset="0"/>
-                                        <a:cs typeface="+mn-cs"/>
-                                      </a:rPr>
-                                      <m:t>3</m:t>
+                                      <m:t>53</m:t>
                                     </m:r>
                                   </m:sub>
                                 </m:sSub>
@@ -31671,23 +31882,7 @@
                                         <a:latin typeface="Cambria Math" panose="02040503050406030204" pitchFamily="18" charset="0"/>
                                         <a:cs typeface="+mn-cs"/>
                                       </a:rPr>
-                                      <m:t>5</m:t>
-                                    </m:r>
-                                    <m:r>
-                                      <a:rPr kumimoji="0" lang="en-US" altLang="ko-KR" sz="1000" b="0" i="1" u="none" strike="noStrike" kern="1200" cap="none" spc="0" normalizeH="0" baseline="0" noProof="0" smtClean="0">
-                                        <a:ln>
-                                          <a:noFill/>
-                                        </a:ln>
-                                        <a:solidFill>
-                                          <a:prstClr val="black"/>
-                                        </a:solidFill>
-                                        <a:effectLst/>
-                                        <a:uLnTx/>
-                                        <a:uFillTx/>
-                                        <a:latin typeface="Cambria Math" panose="02040503050406030204" pitchFamily="18" charset="0"/>
-                                        <a:cs typeface="+mn-cs"/>
-                                      </a:rPr>
-                                      <m:t>4</m:t>
+                                      <m:t>54</m:t>
                                     </m:r>
                                   </m:sub>
                                 </m:sSub>
@@ -31798,23 +31993,7 @@
                                         <a:latin typeface="Cambria Math" panose="02040503050406030204" pitchFamily="18" charset="0"/>
                                         <a:cs typeface="+mn-cs"/>
                                       </a:rPr>
-                                      <m:t>5</m:t>
-                                    </m:r>
-                                    <m:r>
-                                      <a:rPr kumimoji="0" lang="en-US" altLang="ko-KR" sz="1000" b="0" i="1" u="none" strike="noStrike" kern="1200" cap="none" spc="0" normalizeH="0" baseline="0" noProof="0" smtClean="0">
-                                        <a:ln>
-                                          <a:noFill/>
-                                        </a:ln>
-                                        <a:solidFill>
-                                          <a:prstClr val="black"/>
-                                        </a:solidFill>
-                                        <a:effectLst/>
-                                        <a:uLnTx/>
-                                        <a:uFillTx/>
-                                        <a:latin typeface="Cambria Math" panose="02040503050406030204" pitchFamily="18" charset="0"/>
-                                        <a:cs typeface="+mn-cs"/>
-                                      </a:rPr>
-                                      <m:t>5</m:t>
+                                      <m:t>55</m:t>
                                     </m:r>
                                   </m:sub>
                                 </m:sSub>
@@ -31850,7 +32029,7 @@
             </a:graphic>
           </p:graphicFrame>
         </mc:Choice>
-        <mc:Fallback>
+        <mc:Fallback xmlns="">
           <p:graphicFrame>
             <p:nvGraphicFramePr>
               <p:cNvPr id="6" name="표 3">
@@ -32567,8 +32746,8 @@
           </a:p>
         </p:txBody>
       </p:sp>
-      <mc:AlternateContent xmlns:mc="http://schemas.openxmlformats.org/markup-compatibility/2006">
-        <mc:Choice xmlns:a14="http://schemas.microsoft.com/office/drawing/2010/main" Requires="a14">
+      <mc:AlternateContent xmlns:mc="http://schemas.openxmlformats.org/markup-compatibility/2006" xmlns:a14="http://schemas.microsoft.com/office/drawing/2010/main">
+        <mc:Choice Requires="a14">
           <p:graphicFrame>
             <p:nvGraphicFramePr>
               <p:cNvPr id="9" name="표 3">
@@ -32916,13 +33095,7 @@
                                       <a:rPr lang="en-US" altLang="ko-KR" sz="1000" b="0" i="1" smtClean="0">
                                         <a:latin typeface="Cambria Math" panose="02040503050406030204" pitchFamily="18" charset="0"/>
                                       </a:rPr>
-                                      <m:t>2</m:t>
-                                    </m:r>
-                                    <m:r>
-                                      <a:rPr lang="en-US" altLang="ko-KR" sz="1000" b="0" i="1" smtClean="0">
-                                        <a:latin typeface="Cambria Math" panose="02040503050406030204" pitchFamily="18" charset="0"/>
-                                      </a:rPr>
-                                      <m:t>1</m:t>
+                                      <m:t>21</m:t>
                                     </m:r>
                                   </m:sub>
                                 </m:sSub>
@@ -33020,23 +33193,7 @@
                                         <a:latin typeface="Cambria Math" panose="02040503050406030204" pitchFamily="18" charset="0"/>
                                         <a:cs typeface="+mn-cs"/>
                                       </a:rPr>
-                                      <m:t>2</m:t>
-                                    </m:r>
-                                    <m:r>
-                                      <a:rPr kumimoji="0" lang="en-US" altLang="ko-KR" sz="1000" b="0" i="1" u="none" strike="noStrike" kern="1200" cap="none" spc="0" normalizeH="0" baseline="0" noProof="0" smtClean="0">
-                                        <a:ln>
-                                          <a:noFill/>
-                                        </a:ln>
-                                        <a:solidFill>
-                                          <a:prstClr val="black"/>
-                                        </a:solidFill>
-                                        <a:effectLst/>
-                                        <a:uLnTx/>
-                                        <a:uFillTx/>
-                                        <a:latin typeface="Cambria Math" panose="02040503050406030204" pitchFamily="18" charset="0"/>
-                                        <a:cs typeface="+mn-cs"/>
-                                      </a:rPr>
-                                      <m:t>2</m:t>
+                                      <m:t>22</m:t>
                                     </m:r>
                                   </m:sub>
                                 </m:sSub>
@@ -33147,23 +33304,7 @@
                                         <a:latin typeface="Cambria Math" panose="02040503050406030204" pitchFamily="18" charset="0"/>
                                         <a:cs typeface="+mn-cs"/>
                                       </a:rPr>
-                                      <m:t>2</m:t>
-                                    </m:r>
-                                    <m:r>
-                                      <a:rPr kumimoji="0" lang="en-US" altLang="ko-KR" sz="1000" b="0" i="1" u="none" strike="noStrike" kern="1200" cap="none" spc="0" normalizeH="0" baseline="0" noProof="0" smtClean="0">
-                                        <a:ln>
-                                          <a:noFill/>
-                                        </a:ln>
-                                        <a:solidFill>
-                                          <a:prstClr val="black"/>
-                                        </a:solidFill>
-                                        <a:effectLst/>
-                                        <a:uLnTx/>
-                                        <a:uFillTx/>
-                                        <a:latin typeface="Cambria Math" panose="02040503050406030204" pitchFamily="18" charset="0"/>
-                                        <a:cs typeface="+mn-cs"/>
-                                      </a:rPr>
-                                      <m:t>3</m:t>
+                                      <m:t>23</m:t>
                                     </m:r>
                                   </m:sub>
                                 </m:sSub>
@@ -33228,13 +33369,7 @@
                                       <a:rPr lang="en-US" altLang="ko-KR" sz="1000" b="0" i="1" smtClean="0">
                                         <a:latin typeface="Cambria Math" panose="02040503050406030204" pitchFamily="18" charset="0"/>
                                       </a:rPr>
-                                      <m:t>3</m:t>
-                                    </m:r>
-                                    <m:r>
-                                      <a:rPr lang="en-US" altLang="ko-KR" sz="1000" b="0" i="1" smtClean="0">
-                                        <a:latin typeface="Cambria Math" panose="02040503050406030204" pitchFamily="18" charset="0"/>
-                                      </a:rPr>
-                                      <m:t>1</m:t>
+                                      <m:t>31</m:t>
                                     </m:r>
                                   </m:sub>
                                 </m:sSub>
@@ -33332,23 +33467,7 @@
                                         <a:latin typeface="Cambria Math" panose="02040503050406030204" pitchFamily="18" charset="0"/>
                                         <a:cs typeface="+mn-cs"/>
                                       </a:rPr>
-                                      <m:t>3</m:t>
-                                    </m:r>
-                                    <m:r>
-                                      <a:rPr kumimoji="0" lang="en-US" altLang="ko-KR" sz="1000" b="0" i="1" u="none" strike="noStrike" kern="1200" cap="none" spc="0" normalizeH="0" baseline="0" noProof="0" smtClean="0">
-                                        <a:ln>
-                                          <a:noFill/>
-                                        </a:ln>
-                                        <a:solidFill>
-                                          <a:prstClr val="black"/>
-                                        </a:solidFill>
-                                        <a:effectLst/>
-                                        <a:uLnTx/>
-                                        <a:uFillTx/>
-                                        <a:latin typeface="Cambria Math" panose="02040503050406030204" pitchFamily="18" charset="0"/>
-                                        <a:cs typeface="+mn-cs"/>
-                                      </a:rPr>
-                                      <m:t>2</m:t>
+                                      <m:t>32</m:t>
                                     </m:r>
                                   </m:sub>
                                 </m:sSub>
@@ -33459,23 +33578,7 @@
                                         <a:latin typeface="Cambria Math" panose="02040503050406030204" pitchFamily="18" charset="0"/>
                                         <a:cs typeface="+mn-cs"/>
                                       </a:rPr>
-                                      <m:t>3</m:t>
-                                    </m:r>
-                                    <m:r>
-                                      <a:rPr kumimoji="0" lang="en-US" altLang="ko-KR" sz="1000" b="0" i="1" u="none" strike="noStrike" kern="1200" cap="none" spc="0" normalizeH="0" baseline="0" noProof="0" smtClean="0">
-                                        <a:ln>
-                                          <a:noFill/>
-                                        </a:ln>
-                                        <a:solidFill>
-                                          <a:prstClr val="black"/>
-                                        </a:solidFill>
-                                        <a:effectLst/>
-                                        <a:uLnTx/>
-                                        <a:uFillTx/>
-                                        <a:latin typeface="Cambria Math" panose="02040503050406030204" pitchFamily="18" charset="0"/>
-                                        <a:cs typeface="+mn-cs"/>
-                                      </a:rPr>
-                                      <m:t>3</m:t>
+                                      <m:t>33</m:t>
                                     </m:r>
                                   </m:sub>
                                 </m:sSub>
@@ -33511,7 +33614,7 @@
             </a:graphic>
           </p:graphicFrame>
         </mc:Choice>
-        <mc:Fallback>
+        <mc:Fallback xmlns="">
           <p:graphicFrame>
             <p:nvGraphicFramePr>
               <p:cNvPr id="9" name="표 3">
@@ -33790,7 +33893,7 @@
             <p:spPr>
               <a:xfrm>
                 <a:off x="4306072" y="6257760"/>
-                <a:ext cx="310406" cy="276999"/>
+                <a:ext cx="231858" cy="276999"/>
               </a:xfrm>
               <a:prstGeom prst="rect">
                 <a:avLst/>
@@ -33803,6 +33906,7 @@
               </a:bodyPr>
               <a:lstStyle/>
               <a:p>
+                <a:pPr/>
                 <a14:m>
                   <m:oMathPara xmlns:m="http://schemas.openxmlformats.org/officeDocument/2006/math">
                     <m:oMathParaPr>
@@ -33813,7 +33917,7 @@
                         <a:rPr lang="en-US" altLang="ko-KR" b="0" i="1" smtClean="0">
                           <a:latin typeface="Cambria Math" panose="02040503050406030204" pitchFamily="18" charset="0"/>
                         </a:rPr>
-                        <m:t>𝑊</m:t>
+                        <m:t>𝐹</m:t>
                       </m:r>
                     </m:oMath>
                   </m:oMathPara>
@@ -33841,7 +33945,7 @@
             <p:spPr>
               <a:xfrm>
                 <a:off x="4306072" y="6257760"/>
-                <a:ext cx="310406" cy="276999"/>
+                <a:ext cx="231858" cy="276999"/>
               </a:xfrm>
               <a:prstGeom prst="rect">
                 <a:avLst/>
@@ -33849,7 +33953,7 @@
               <a:blipFill>
                 <a:blip r:embed="rId5"/>
                 <a:stretch>
-                  <a:fillRect l="-11765" r="-11765" b="-11111"/>
+                  <a:fillRect l="-15789" r="-15789" b="-11111"/>
                 </a:stretch>
               </a:blipFill>
             </p:spPr>
@@ -33868,8 +33972,8 @@
           </p:sp>
         </mc:Fallback>
       </mc:AlternateContent>
-      <mc:AlternateContent xmlns:mc="http://schemas.openxmlformats.org/markup-compatibility/2006">
-        <mc:Choice xmlns:a14="http://schemas.microsoft.com/office/drawing/2010/main" Requires="a14">
+      <mc:AlternateContent xmlns:mc="http://schemas.openxmlformats.org/markup-compatibility/2006" xmlns:a14="http://schemas.microsoft.com/office/drawing/2010/main">
+        <mc:Choice Requires="a14">
           <p:sp>
             <p:nvSpPr>
               <p:cNvPr id="11" name="TextBox 10">
@@ -33898,6 +34002,7 @@
               </a:bodyPr>
               <a:lstStyle/>
               <a:p>
+                <a:pPr/>
                 <a14:m>
                   <m:oMathPara xmlns:m="http://schemas.openxmlformats.org/officeDocument/2006/math">
                     <m:oMathParaPr>
@@ -33918,7 +34023,7 @@
             </p:txBody>
           </p:sp>
         </mc:Choice>
-        <mc:Fallback>
+        <mc:Fallback xmlns="">
           <p:sp>
             <p:nvSpPr>
               <p:cNvPr id="11" name="TextBox 10">
@@ -33963,8 +34068,8 @@
           </p:sp>
         </mc:Fallback>
       </mc:AlternateContent>
-      <mc:AlternateContent xmlns:mc="http://schemas.openxmlformats.org/markup-compatibility/2006">
-        <mc:Choice xmlns:a14="http://schemas.microsoft.com/office/drawing/2010/main" Requires="a14">
+      <mc:AlternateContent xmlns:mc="http://schemas.openxmlformats.org/markup-compatibility/2006" xmlns:a14="http://schemas.microsoft.com/office/drawing/2010/main">
+        <mc:Choice Requires="a14">
           <p:sp>
             <p:nvSpPr>
               <p:cNvPr id="12" name="TextBox 11">
@@ -33993,6 +34098,7 @@
               </a:bodyPr>
               <a:lstStyle/>
               <a:p>
+                <a:pPr/>
                 <a14:m>
                   <m:oMathPara xmlns:m="http://schemas.openxmlformats.org/officeDocument/2006/math">
                     <m:oMathParaPr>
@@ -34013,7 +34119,7 @@
             </p:txBody>
           </p:sp>
         </mc:Choice>
-        <mc:Fallback>
+        <mc:Fallback xmlns="">
           <p:sp>
             <p:nvSpPr>
               <p:cNvPr id="12" name="TextBox 11">
